--- a/Presentation/01 - Introduction.pptx
+++ b/Presentation/01 - Introduction.pptx
@@ -5,7 +5,7 @@
     <p:sldMasterId id="2147483660" r:id="rId1"/>
   </p:sldMasterIdLst>
   <p:notesMasterIdLst>
-    <p:notesMasterId r:id="rId20"/>
+    <p:notesMasterId r:id="rId19"/>
   </p:notesMasterIdLst>
   <p:sldIdLst>
     <p:sldId id="256" r:id="rId2"/>
@@ -23,9 +23,8 @@
     <p:sldId id="312" r:id="rId14"/>
     <p:sldId id="313" r:id="rId15"/>
     <p:sldId id="301" r:id="rId16"/>
-    <p:sldId id="258" r:id="rId17"/>
-    <p:sldId id="298" r:id="rId18"/>
-    <p:sldId id="300" r:id="rId19"/>
+    <p:sldId id="314" r:id="rId17"/>
+    <p:sldId id="315" r:id="rId18"/>
   </p:sldIdLst>
   <p:sldSz cx="12192000" cy="6858000"/>
   <p:notesSz cx="6858000" cy="9144000"/>
@@ -214,7 +213,7 @@
           <a:p>
             <a:fld id="{F85A15D0-0C7F-477F-8E21-433DC682CA0E}" type="datetimeFigureOut">
               <a:rPr lang="de-DE" smtClean="0"/>
-              <a:t>11.10.2021</a:t>
+              <a:t>13.10.2021</a:t>
             </a:fld>
             <a:endParaRPr lang="de-DE"/>
           </a:p>
@@ -693,7 +692,161 @@
           <a:bodyPr/>
           <a:lstStyle/>
           <a:p>
+            <a:r>
+              <a:rPr lang="de-DE" dirty="0"/>
+              <a:t>Kurz ansprechen, Änderungen von anderen auch zentral verwaltbar</a:t>
+            </a:r>
+          </a:p>
+          <a:p>
             <a:endParaRPr lang="de-DE" dirty="0"/>
+          </a:p>
+          <a:p>
+            <a:r>
+              <a:rPr lang="de-DE" dirty="0"/>
+              <a:t>Wenn irgendjemand scheiße baut: </a:t>
+            </a:r>
+            <a:r>
+              <a:rPr lang="de-DE" dirty="0" err="1"/>
+              <a:t>git</a:t>
+            </a:r>
+            <a:r>
+              <a:rPr lang="de-DE" dirty="0"/>
+              <a:t> </a:t>
+            </a:r>
+            <a:r>
+              <a:rPr lang="de-DE" dirty="0" err="1"/>
+              <a:t>blame</a:t>
+            </a:r>
+            <a:endParaRPr lang="de-DE" dirty="0"/>
+          </a:p>
+          <a:p>
+            <a:endParaRPr lang="de-DE" dirty="0"/>
+          </a:p>
+          <a:p>
+            <a:r>
+              <a:rPr lang="de-DE" dirty="0"/>
+              <a:t>Wie ein Backup, wenn Computer kaputt geht ist es noch da, allgemein alle Vorteile von Cloud</a:t>
+            </a:r>
+          </a:p>
+        </p:txBody>
+      </p:sp>
+      <p:sp>
+        <p:nvSpPr>
+          <p:cNvPr id="4" name="Foliennummernplatzhalter 3"/>
+          <p:cNvSpPr>
+            <a:spLocks noGrp="1"/>
+          </p:cNvSpPr>
+          <p:nvPr>
+            <p:ph type="sldNum" sz="quarter" idx="5"/>
+          </p:nvPr>
+        </p:nvSpPr>
+        <p:spPr/>
+        <p:txBody>
+          <a:bodyPr/>
+          <a:lstStyle/>
+          <a:p>
+            <a:fld id="{6E18CE8E-CE8C-4ADF-A1D6-2FBF145918C0}" type="slidenum">
+              <a:rPr lang="de-DE" smtClean="0"/>
+              <a:t>16</a:t>
+            </a:fld>
+            <a:endParaRPr lang="de-DE"/>
+          </a:p>
+        </p:txBody>
+      </p:sp>
+    </p:spTree>
+    <p:extLst>
+      <p:ext uri="{BB962C8B-B14F-4D97-AF65-F5344CB8AC3E}">
+        <p14:creationId xmlns:p14="http://schemas.microsoft.com/office/powerpoint/2010/main" val="3335409290"/>
+      </p:ext>
+    </p:extLst>
+  </p:cSld>
+  <p:clrMapOvr>
+    <a:masterClrMapping/>
+  </p:clrMapOvr>
+</p:notes>
+</file>
+
+<file path=ppt/notesSlides/notesSlide4.xml><?xml version="1.0" encoding="utf-8"?>
+<p:notes xmlns:a="http://schemas.openxmlformats.org/drawingml/2006/main" xmlns:r="http://schemas.openxmlformats.org/officeDocument/2006/relationships" xmlns:p="http://schemas.openxmlformats.org/presentationml/2006/main">
+  <p:cSld>
+    <p:spTree>
+      <p:nvGrpSpPr>
+        <p:cNvPr id="1" name=""/>
+        <p:cNvGrpSpPr/>
+        <p:nvPr/>
+      </p:nvGrpSpPr>
+      <p:grpSpPr>
+        <a:xfrm>
+          <a:off x="0" y="0"/>
+          <a:ext cx="0" cy="0"/>
+          <a:chOff x="0" y="0"/>
+          <a:chExt cx="0" cy="0"/>
+        </a:xfrm>
+      </p:grpSpPr>
+      <p:sp>
+        <p:nvSpPr>
+          <p:cNvPr id="2" name="Folienbildplatzhalter 1"/>
+          <p:cNvSpPr>
+            <a:spLocks noGrp="1" noRot="1" noChangeAspect="1"/>
+          </p:cNvSpPr>
+          <p:nvPr>
+            <p:ph type="sldImg"/>
+          </p:nvPr>
+        </p:nvSpPr>
+        <p:spPr/>
+      </p:sp>
+      <p:sp>
+        <p:nvSpPr>
+          <p:cNvPr id="3" name="Notizenplatzhalter 2"/>
+          <p:cNvSpPr>
+            <a:spLocks noGrp="1"/>
+          </p:cNvSpPr>
+          <p:nvPr>
+            <p:ph type="body" idx="1"/>
+          </p:nvPr>
+        </p:nvSpPr>
+        <p:spPr/>
+        <p:txBody>
+          <a:bodyPr/>
+          <a:lstStyle/>
+          <a:p>
+            <a:r>
+              <a:rPr lang="de-DE" dirty="0"/>
+              <a:t>Sagen, dass es natürlich noch andere Software gibt, </a:t>
+            </a:r>
+            <a:r>
+              <a:rPr lang="de-DE" dirty="0" err="1"/>
+              <a:t>Git</a:t>
+            </a:r>
+            <a:r>
+              <a:rPr lang="de-DE" dirty="0"/>
+              <a:t> ist aber am weitesten verbreitet</a:t>
+            </a:r>
+          </a:p>
+          <a:p>
+            <a:endParaRPr lang="de-DE" dirty="0"/>
+          </a:p>
+          <a:p>
+            <a:r>
+              <a:rPr lang="de-DE" dirty="0"/>
+              <a:t>Geht aber auch für </a:t>
+            </a:r>
+            <a:r>
+              <a:rPr lang="de-DE" dirty="0" err="1"/>
+              <a:t>eingenen</a:t>
+            </a:r>
+            <a:r>
+              <a:rPr lang="de-DE" dirty="0"/>
+              <a:t> </a:t>
+            </a:r>
+            <a:r>
+              <a:rPr lang="de-DE" dirty="0" err="1"/>
+              <a:t>use</a:t>
+            </a:r>
+            <a:r>
+              <a:rPr lang="de-DE" dirty="0"/>
+              <a:t> ganz gut</a:t>
+            </a:r>
           </a:p>
         </p:txBody>
       </p:sp>
@@ -723,7 +876,7 @@
     </p:spTree>
     <p:extLst>
       <p:ext uri="{BB962C8B-B14F-4D97-AF65-F5344CB8AC3E}">
-        <p14:creationId xmlns:p14="http://schemas.microsoft.com/office/powerpoint/2010/main" val="2986939423"/>
+        <p14:creationId xmlns:p14="http://schemas.microsoft.com/office/powerpoint/2010/main" val="2658901566"/>
       </p:ext>
     </p:extLst>
   </p:cSld>
@@ -969,9 +1122,9 @@
             </a:lvl1pPr>
           </a:lstStyle>
           <a:p>
-            <a:fld id="{D252E8F7-771C-44A4-BEBF-CC2E3470BEE3}" type="datetime1">
+            <a:fld id="{E84DAF09-47A0-48D7-B54B-B9B8F5D6F53F}" type="datetime1">
               <a:rPr lang="de-DE" smtClean="0"/>
-              <a:t>11.10.2021</a:t>
+              <a:t>13.10.2021</a:t>
             </a:fld>
             <a:endParaRPr lang="de-DE" dirty="0"/>
           </a:p>
@@ -1002,7 +1155,7 @@
           <a:p>
             <a:r>
               <a:rPr lang="de-DE"/>
-              <a:t>Moritz Flüchter: TSN Inter-Domain Communication</a:t>
+              <a:t>Moritz Flüchter: Git - An Introduction</a:t>
             </a:r>
             <a:endParaRPr lang="de-DE" dirty="0"/>
           </a:p>
@@ -1197,9 +1350,9 @@
           <a:bodyPr/>
           <a:lstStyle/>
           <a:p>
-            <a:fld id="{0E29679B-A22C-460F-97FA-D29310F4F9CA}" type="datetime1">
+            <a:fld id="{E195FA86-B4BD-46EA-9F93-6631C32FBE9A}" type="datetime1">
               <a:rPr lang="de-DE" smtClean="0"/>
-              <a:t>11.10.2021</a:t>
+              <a:t>13.10.2021</a:t>
             </a:fld>
             <a:endParaRPr lang="de-DE"/>
           </a:p>
@@ -1230,7 +1383,7 @@
           <a:p>
             <a:r>
               <a:rPr lang="de-DE"/>
-              <a:t>Moritz Flüchter: TSN Inter-Domain Communication</a:t>
+              <a:t>Moritz Flüchter: Git - An Introduction</a:t>
             </a:r>
           </a:p>
         </p:txBody>
@@ -1472,9 +1625,9 @@
           <a:bodyPr/>
           <a:lstStyle/>
           <a:p>
-            <a:fld id="{BA071D2A-9FD6-4E1A-974F-D1F0E036738A}" type="datetime1">
+            <a:fld id="{6FF1D834-28E7-427D-A4EF-1FF6AEEC607F}" type="datetime1">
               <a:rPr lang="de-DE" smtClean="0"/>
-              <a:t>11.10.2021</a:t>
+              <a:t>13.10.2021</a:t>
             </a:fld>
             <a:endParaRPr lang="de-DE"/>
           </a:p>
@@ -1505,7 +1658,7 @@
           <a:p>
             <a:r>
               <a:rPr lang="de-DE"/>
-              <a:t>Moritz Flüchter: TSN Inter-Domain Communication</a:t>
+              <a:t>Moritz Flüchter: Git - An Introduction</a:t>
             </a:r>
           </a:p>
         </p:txBody>
@@ -1669,9 +1822,9 @@
             </a:lvl1pPr>
           </a:lstStyle>
           <a:p>
-            <a:fld id="{7778186D-7CAD-425C-A5EB-B223AE6329F4}" type="datetime1">
+            <a:fld id="{47A17D14-4717-47F2-B2D3-58A602A33D63}" type="datetime1">
               <a:rPr lang="de-DE" smtClean="0"/>
-              <a:t>11.10.2021</a:t>
+              <a:t>13.10.2021</a:t>
             </a:fld>
             <a:endParaRPr lang="de-DE" dirty="0"/>
           </a:p>
@@ -1706,7 +1859,7 @@
           <a:p>
             <a:r>
               <a:rPr lang="de-DE"/>
-              <a:t>Moritz Flüchter: TSN Inter-Domain Communication</a:t>
+              <a:t>Moritz Flüchter: Git - An Introduction</a:t>
             </a:r>
           </a:p>
         </p:txBody>
@@ -2106,9 +2259,9 @@
             </a:lvl1pPr>
           </a:lstStyle>
           <a:p>
-            <a:fld id="{431330C1-C74B-49E7-BFEE-CFFFDCD11AC1}" type="datetime1">
+            <a:fld id="{4AD86023-8193-4475-AA2E-BEFFF9677185}" type="datetime1">
               <a:rPr lang="de-DE" smtClean="0"/>
-              <a:t>11.10.2021</a:t>
+              <a:t>13.10.2021</a:t>
             </a:fld>
             <a:endParaRPr lang="de-DE" dirty="0"/>
           </a:p>
@@ -2145,7 +2298,7 @@
           <a:p>
             <a:r>
               <a:rPr lang="de-DE"/>
-              <a:t>Moritz Flüchter: TSN Inter-Domain Communication</a:t>
+              <a:t>Moritz Flüchter: Git - An Introduction</a:t>
             </a:r>
             <a:endParaRPr lang="de-DE" dirty="0"/>
           </a:p>
@@ -2741,9 +2894,9 @@
           <a:bodyPr/>
           <a:lstStyle/>
           <a:p>
-            <a:fld id="{B5379164-64D3-4DBF-A35A-0193A17390D6}" type="datetime1">
+            <a:fld id="{5F2C228C-BE7C-40F9-8D85-9D9057A84119}" type="datetime1">
               <a:rPr lang="de-DE" smtClean="0"/>
-              <a:t>11.10.2021</a:t>
+              <a:t>13.10.2021</a:t>
             </a:fld>
             <a:endParaRPr lang="de-DE"/>
           </a:p>
@@ -2774,7 +2927,7 @@
           <a:p>
             <a:r>
               <a:rPr lang="de-DE"/>
-              <a:t>Moritz Flüchter: TSN Inter-Domain Communication</a:t>
+              <a:t>Moritz Flüchter: Git - An Introduction</a:t>
             </a:r>
           </a:p>
         </p:txBody>
@@ -2931,9 +3084,9 @@
           <a:bodyPr/>
           <a:lstStyle/>
           <a:p>
-            <a:fld id="{CE1B32AF-E997-41D3-9EB7-CBF2DBF5A72B}" type="datetime1">
+            <a:fld id="{52C95066-F7E7-428B-97F2-AC0A664E52E2}" type="datetime1">
               <a:rPr lang="de-DE" smtClean="0"/>
-              <a:t>11.10.2021</a:t>
+              <a:t>13.10.2021</a:t>
             </a:fld>
             <a:endParaRPr lang="de-DE"/>
           </a:p>
@@ -2972,7 +3125,7 @@
           <a:p>
             <a:r>
               <a:rPr lang="de-DE"/>
-              <a:t>Moritz Flüchter: TSN Inter-Domain Communication</a:t>
+              <a:t>Moritz Flüchter: Git - An Introduction</a:t>
             </a:r>
           </a:p>
         </p:txBody>
@@ -3299,9 +3452,9 @@
             </a:lvl1pPr>
           </a:lstStyle>
           <a:p>
-            <a:fld id="{F3EF3E2E-44DA-428A-849A-0C00F4B856E5}" type="datetime1">
+            <a:fld id="{8D842C13-C533-43C2-A31A-3C33ADB6E5C2}" type="datetime1">
               <a:rPr lang="de-DE" smtClean="0"/>
-              <a:t>11.10.2021</a:t>
+              <a:t>13.10.2021</a:t>
             </a:fld>
             <a:endParaRPr lang="de-DE"/>
           </a:p>
@@ -3340,7 +3493,7 @@
           <a:p>
             <a:r>
               <a:rPr lang="de-DE"/>
-              <a:t>Moritz Flüchter: TSN Inter-Domain Communication</a:t>
+              <a:t>Moritz Flüchter: Git - An Introduction</a:t>
             </a:r>
           </a:p>
         </p:txBody>
@@ -3695,9 +3848,9 @@
           <a:bodyPr/>
           <a:lstStyle/>
           <a:p>
-            <a:fld id="{A8F5AFF9-D60D-4BF2-893C-19D3B6C1F40C}" type="datetime1">
+            <a:fld id="{1339455D-CF85-44AF-B505-47234D3CCE99}" type="datetime1">
               <a:rPr lang="de-DE" smtClean="0"/>
-              <a:t>11.10.2021</a:t>
+              <a:t>13.10.2021</a:t>
             </a:fld>
             <a:endParaRPr lang="de-DE"/>
           </a:p>
@@ -3728,7 +3881,7 @@
           <a:p>
             <a:r>
               <a:rPr lang="de-DE"/>
-              <a:t>Moritz Flüchter: TSN Inter-Domain Communication</a:t>
+              <a:t>Moritz Flüchter: Git - An Introduction</a:t>
             </a:r>
           </a:p>
         </p:txBody>
@@ -4030,9 +4183,9 @@
             </a:lvl1pPr>
           </a:lstStyle>
           <a:p>
-            <a:fld id="{3662B911-C7FF-498F-8649-7D98DE155FD2}" type="datetime1">
+            <a:fld id="{8CFAC6D0-B278-4138-889C-09ED190DED3B}" type="datetime1">
               <a:rPr lang="de-DE" smtClean="0"/>
-              <a:t>11.10.2021</a:t>
+              <a:t>13.10.2021</a:t>
             </a:fld>
             <a:endParaRPr lang="de-DE" dirty="0"/>
           </a:p>
@@ -4073,7 +4226,7 @@
           <a:p>
             <a:r>
               <a:rPr lang="de-DE"/>
-              <a:t>Moritz Flüchter: TSN Inter-Domain Communication</a:t>
+              <a:t>Moritz Flüchter: Git - An Introduction</a:t>
             </a:r>
             <a:endParaRPr lang="de-DE" dirty="0"/>
           </a:p>
@@ -4647,7 +4800,7 @@
             </a:r>
             <a:r>
               <a:rPr lang="de-DE" dirty="0"/>
-              <a:t>!</a:t>
+              <a:t> + GitHub!</a:t>
             </a:r>
           </a:p>
         </p:txBody>
@@ -4702,9 +4855,9 @@
           <a:bodyPr/>
           <a:lstStyle/>
           <a:p>
-            <a:fld id="{00E6FA39-AEDB-4A55-A265-855AD6460162}" type="datetime1">
+            <a:fld id="{D92926C9-4DE1-4F9B-8A8C-18726359C1F5}" type="datetime1">
               <a:rPr lang="de-DE" smtClean="0"/>
-              <a:t>11.10.2021</a:t>
+              <a:t>13.10.2021</a:t>
             </a:fld>
             <a:endParaRPr lang="de-DE" dirty="0"/>
           </a:p>
@@ -4733,7 +4886,7 @@
           <a:p>
             <a:r>
               <a:rPr lang="de-DE"/>
-              <a:t>Moritz Flüchter: TSN Inter-Domain Communication</a:t>
+              <a:t>Moritz Flüchter: Git - An Introduction</a:t>
             </a:r>
           </a:p>
         </p:txBody>
@@ -4867,7 +5020,7 @@
             </a:r>
             <a:r>
               <a:rPr lang="de-DE" dirty="0"/>
-              <a:t>!</a:t>
+              <a:t> + GitHub!</a:t>
             </a:r>
           </a:p>
         </p:txBody>
@@ -4922,9 +5075,9 @@
           <a:bodyPr/>
           <a:lstStyle/>
           <a:p>
-            <a:fld id="{00E6FA39-AEDB-4A55-A265-855AD6460162}" type="datetime1">
+            <a:fld id="{42F5B705-94D6-443C-B5F7-90198943D466}" type="datetime1">
               <a:rPr lang="de-DE" smtClean="0"/>
-              <a:t>11.10.2021</a:t>
+              <a:t>13.10.2021</a:t>
             </a:fld>
             <a:endParaRPr lang="de-DE" dirty="0"/>
           </a:p>
@@ -4953,7 +5106,7 @@
           <a:p>
             <a:r>
               <a:rPr lang="de-DE"/>
-              <a:t>Moritz Flüchter: TSN Inter-Domain Communication</a:t>
+              <a:t>Moritz Flüchter: Git - An Introduction</a:t>
             </a:r>
           </a:p>
         </p:txBody>
@@ -5087,7 +5240,7 @@
             </a:r>
             <a:r>
               <a:rPr lang="de-DE" dirty="0"/>
-              <a:t>!</a:t>
+              <a:t> + GitHub!</a:t>
             </a:r>
           </a:p>
         </p:txBody>
@@ -5142,9 +5295,9 @@
           <a:bodyPr/>
           <a:lstStyle/>
           <a:p>
-            <a:fld id="{00E6FA39-AEDB-4A55-A265-855AD6460162}" type="datetime1">
+            <a:fld id="{21D6B8F2-8FA9-4E3E-9A4F-132166206DA2}" type="datetime1">
               <a:rPr lang="de-DE" smtClean="0"/>
-              <a:t>11.10.2021</a:t>
+              <a:t>13.10.2021</a:t>
             </a:fld>
             <a:endParaRPr lang="de-DE" dirty="0"/>
           </a:p>
@@ -5173,7 +5326,7 @@
           <a:p>
             <a:r>
               <a:rPr lang="de-DE"/>
-              <a:t>Moritz Flüchter: TSN Inter-Domain Communication</a:t>
+              <a:t>Moritz Flüchter: Git - An Introduction</a:t>
             </a:r>
           </a:p>
         </p:txBody>
@@ -5307,7 +5460,7 @@
             </a:r>
             <a:r>
               <a:rPr lang="de-DE" dirty="0"/>
-              <a:t>!</a:t>
+              <a:t> + GitHub!</a:t>
             </a:r>
           </a:p>
         </p:txBody>
@@ -5362,9 +5515,9 @@
           <a:bodyPr/>
           <a:lstStyle/>
           <a:p>
-            <a:fld id="{00E6FA39-AEDB-4A55-A265-855AD6460162}" type="datetime1">
+            <a:fld id="{C9D50070-ADBD-49C0-9406-6199C72E6499}" type="datetime1">
               <a:rPr lang="de-DE" smtClean="0"/>
-              <a:t>11.10.2021</a:t>
+              <a:t>13.10.2021</a:t>
             </a:fld>
             <a:endParaRPr lang="de-DE" dirty="0"/>
           </a:p>
@@ -5393,7 +5546,7 @@
           <a:p>
             <a:r>
               <a:rPr lang="de-DE"/>
-              <a:t>Moritz Flüchter: TSN Inter-Domain Communication</a:t>
+              <a:t>Moritz Flüchter: Git - An Introduction</a:t>
             </a:r>
           </a:p>
         </p:txBody>
@@ -5527,7 +5680,7 @@
             </a:r>
             <a:r>
               <a:rPr lang="de-DE" dirty="0"/>
-              <a:t>!</a:t>
+              <a:t> + GitHub!</a:t>
             </a:r>
           </a:p>
         </p:txBody>
@@ -5582,9 +5735,9 @@
           <a:bodyPr/>
           <a:lstStyle/>
           <a:p>
-            <a:fld id="{00E6FA39-AEDB-4A55-A265-855AD6460162}" type="datetime1">
+            <a:fld id="{AB052493-DBE9-4F1B-9179-6A8F7DFF27C4}" type="datetime1">
               <a:rPr lang="de-DE" smtClean="0"/>
-              <a:t>11.10.2021</a:t>
+              <a:t>13.10.2021</a:t>
             </a:fld>
             <a:endParaRPr lang="de-DE" dirty="0"/>
           </a:p>
@@ -5613,7 +5766,7 @@
           <a:p>
             <a:r>
               <a:rPr lang="de-DE"/>
-              <a:t>Moritz Flüchter: TSN Inter-Domain Communication</a:t>
+              <a:t>Moritz Flüchter: Git - An Introduction</a:t>
             </a:r>
           </a:p>
         </p:txBody>
@@ -5736,9 +5889,9 @@
           <a:bodyPr/>
           <a:lstStyle/>
           <a:p>
-            <a:fld id="{7778186D-7CAD-425C-A5EB-B223AE6329F4}" type="datetime1">
+            <a:fld id="{0A2A9B88-25F1-4A73-A96E-02DC07D2C43B}" type="datetime1">
               <a:rPr lang="de-DE" smtClean="0"/>
-              <a:t>11.10.2021</a:t>
+              <a:t>13.10.2021</a:t>
             </a:fld>
             <a:endParaRPr lang="de-DE" dirty="0"/>
           </a:p>
@@ -5766,9 +5919,10 @@
           <a:lstStyle/>
           <a:p>
             <a:r>
-              <a:rPr lang="de-DE" dirty="0"/>
-              <a:t>Moritz Flüchter: TSN Inter-Domain Communication</a:t>
-            </a:r>
+              <a:rPr lang="de-DE"/>
+              <a:t>Moritz Flüchter: Git - An Introduction</a:t>
+            </a:r>
+            <a:endParaRPr lang="de-DE" dirty="0"/>
           </a:p>
         </p:txBody>
       </p:sp>
@@ -5865,14 +6019,7 @@
             <a:pPr marL="0" indent="0">
               <a:buNone/>
             </a:pPr>
-            <a:r>
-              <a:rPr lang="de-DE" b="1" dirty="0" err="1"/>
-              <a:t>Git</a:t>
-            </a:r>
-            <a:r>
-              <a:rPr lang="de-DE" b="1" dirty="0"/>
-              <a:t>:</a:t>
-            </a:r>
+            <a:endParaRPr lang="de-DE" b="1" dirty="0"/>
           </a:p>
           <a:p>
             <a:pPr>
@@ -5924,15 +6071,7 @@
             </a:r>
             <a:r>
               <a:rPr lang="de-DE" dirty="0" err="1"/>
-              <a:t>Manages</a:t>
-            </a:r>
-            <a:r>
-              <a:rPr lang="de-DE" dirty="0"/>
-              <a:t> down-/</a:t>
-            </a:r>
-            <a:r>
-              <a:rPr lang="de-DE" dirty="0" err="1"/>
-              <a:t>upload</a:t>
+              <a:t>Allows</a:t>
             </a:r>
             <a:r>
               <a:rPr lang="de-DE" dirty="0"/>
@@ -5940,7 +6079,7 @@
             </a:r>
             <a:r>
               <a:rPr lang="de-DE" dirty="0" err="1"/>
-              <a:t>of</a:t>
+              <a:t>reversion</a:t>
             </a:r>
             <a:r>
               <a:rPr lang="de-DE" dirty="0"/>
@@ -5948,7 +6087,23 @@
             </a:r>
             <a:r>
               <a:rPr lang="de-DE" dirty="0" err="1"/>
-              <a:t>files</a:t>
+              <a:t>to</a:t>
+            </a:r>
+            <a:r>
+              <a:rPr lang="de-DE" dirty="0"/>
+              <a:t> </a:t>
+            </a:r>
+            <a:r>
+              <a:rPr lang="de-DE" dirty="0" err="1"/>
+              <a:t>previous</a:t>
+            </a:r>
+            <a:r>
+              <a:rPr lang="de-DE" dirty="0"/>
+              <a:t> </a:t>
+            </a:r>
+            <a:r>
+              <a:rPr lang="de-DE" dirty="0" err="1"/>
+              <a:t>versions</a:t>
             </a:r>
             <a:endParaRPr lang="de-DE" dirty="0"/>
           </a:p>
@@ -5959,11 +6114,35 @@
             </a:pPr>
             <a:r>
               <a:rPr lang="de-DE" dirty="0"/>
-              <a:t> Handles </a:t>
-            </a:r>
-            <a:r>
-              <a:rPr lang="de-DE" dirty="0" err="1"/>
-              <a:t>conflicts</a:t>
+              <a:t> </a:t>
+            </a:r>
+            <a:r>
+              <a:rPr lang="de-DE" dirty="0" err="1"/>
+              <a:t>Manages</a:t>
+            </a:r>
+            <a:r>
+              <a:rPr lang="de-DE" dirty="0"/>
+              <a:t> down-/</a:t>
+            </a:r>
+            <a:r>
+              <a:rPr lang="de-DE" dirty="0" err="1"/>
+              <a:t>upload</a:t>
+            </a:r>
+            <a:r>
+              <a:rPr lang="de-DE" dirty="0"/>
+              <a:t> </a:t>
+            </a:r>
+            <a:r>
+              <a:rPr lang="de-DE" dirty="0" err="1"/>
+              <a:t>of</a:t>
+            </a:r>
+            <a:r>
+              <a:rPr lang="de-DE" dirty="0"/>
+              <a:t> </a:t>
+            </a:r>
+            <a:r>
+              <a:rPr lang="de-DE" dirty="0" err="1"/>
+              <a:t>files</a:t>
             </a:r>
             <a:endParaRPr lang="de-DE" dirty="0"/>
           </a:p>
@@ -5974,79 +6153,18 @@
             </a:pPr>
             <a:r>
               <a:rPr lang="de-DE" dirty="0"/>
-              <a:t> Many </a:t>
-            </a:r>
-            <a:r>
-              <a:rPr lang="de-DE" dirty="0" err="1"/>
-              <a:t>more</a:t>
-            </a:r>
-            <a:r>
-              <a:rPr lang="de-DE" dirty="0"/>
-              <a:t> </a:t>
-            </a:r>
-            <a:r>
-              <a:rPr lang="de-DE" dirty="0" err="1"/>
-              <a:t>features</a:t>
-            </a:r>
-            <a:endParaRPr lang="de-DE" dirty="0"/>
-          </a:p>
-          <a:p>
-            <a:pPr>
-              <a:buFont typeface="Arial" panose="020B0604020202020204" pitchFamily="34" charset="0"/>
-              <a:buChar char="•"/>
-            </a:pPr>
+              <a:t> Handles </a:t>
+            </a:r>
+            <a:r>
+              <a:rPr lang="de-DE" dirty="0" err="1"/>
+              <a:t>conflicts</a:t>
+            </a:r>
             <a:endParaRPr lang="de-DE" dirty="0"/>
           </a:p>
           <a:p>
             <a:pPr marL="0" indent="0">
               <a:buNone/>
             </a:pPr>
-            <a:r>
-              <a:rPr lang="de-DE" b="1" dirty="0"/>
-              <a:t>GitHub:</a:t>
-            </a:r>
-          </a:p>
-          <a:p>
-            <a:pPr>
-              <a:buFont typeface="Arial" panose="020B0604020202020204" pitchFamily="34" charset="0"/>
-              <a:buChar char="•"/>
-            </a:pPr>
-            <a:r>
-              <a:rPr lang="de-DE" b="1" dirty="0"/>
-              <a:t> </a:t>
-            </a:r>
-            <a:r>
-              <a:rPr lang="de-DE" dirty="0"/>
-              <a:t>Server </a:t>
-            </a:r>
-            <a:r>
-              <a:rPr lang="de-DE" dirty="0" err="1"/>
-              <a:t>that</a:t>
-            </a:r>
-            <a:r>
-              <a:rPr lang="de-DE" dirty="0"/>
-              <a:t> </a:t>
-            </a:r>
-            <a:r>
-              <a:rPr lang="de-DE" dirty="0" err="1"/>
-              <a:t>stores</a:t>
-            </a:r>
-            <a:r>
-              <a:rPr lang="de-DE" dirty="0"/>
-              <a:t> </a:t>
-            </a:r>
-            <a:r>
-              <a:rPr lang="de-DE" dirty="0" err="1"/>
-              <a:t>the</a:t>
-            </a:r>
-            <a:r>
-              <a:rPr lang="de-DE" dirty="0"/>
-              <a:t> </a:t>
-            </a:r>
-            <a:r>
-              <a:rPr lang="de-DE" dirty="0" err="1"/>
-              <a:t>files</a:t>
-            </a:r>
             <a:endParaRPr lang="de-DE" dirty="0"/>
           </a:p>
           <a:p>
@@ -6111,999 +6229,21 @@
       </p:sp>
       <p:sp>
         <p:nvSpPr>
-          <p:cNvPr id="13" name="Textfeld 12">
+          <p:cNvPr id="17" name="Textplatzhalter 2">
             <a:extLst>
               <a:ext uri="{FF2B5EF4-FFF2-40B4-BE49-F238E27FC236}">
-                <a16:creationId xmlns:a16="http://schemas.microsoft.com/office/drawing/2014/main" id="{243DFF72-90A6-453D-8A97-3D898F3686F4}"/>
+                <a16:creationId xmlns:a16="http://schemas.microsoft.com/office/drawing/2014/main" id="{D2214A42-DE25-4085-B05E-D57F88A5F354}"/>
               </a:ext>
             </a:extLst>
           </p:cNvPr>
-          <p:cNvSpPr txBox="1"/>
+          <p:cNvSpPr txBox="1">
+            <a:spLocks/>
+          </p:cNvSpPr>
           <p:nvPr/>
-        </p:nvSpPr>
-        <p:spPr>
-          <a:xfrm>
-            <a:off x="6347012" y="5727024"/>
-            <a:ext cx="573741" cy="369332"/>
-          </a:xfrm>
-          <a:prstGeom prst="rect">
-            <a:avLst/>
-          </a:prstGeom>
-          <a:noFill/>
-        </p:spPr>
-        <p:txBody>
-          <a:bodyPr wrap="square" rtlCol="0">
-            <a:spAutoFit/>
-          </a:bodyPr>
-          <a:lstStyle/>
-          <a:p>
-            <a:r>
-              <a:rPr lang="de-DE" b="1" dirty="0" err="1">
-                <a:solidFill>
-                  <a:srgbClr val="FF0000"/>
-                </a:solidFill>
-              </a:rPr>
-              <a:t>Git</a:t>
-            </a:r>
-            <a:endParaRPr lang="en-GB" b="1" dirty="0">
-              <a:solidFill>
-                <a:srgbClr val="FF0000"/>
-              </a:solidFill>
-            </a:endParaRPr>
-          </a:p>
-        </p:txBody>
-      </p:sp>
-    </p:spTree>
-    <p:extLst>
-      <p:ext uri="{BB962C8B-B14F-4D97-AF65-F5344CB8AC3E}">
-        <p14:creationId xmlns:p14="http://schemas.microsoft.com/office/powerpoint/2010/main" val="2902150698"/>
-      </p:ext>
-    </p:extLst>
-  </p:cSld>
-  <p:clrMapOvr>
-    <a:masterClrMapping/>
-  </p:clrMapOvr>
-</p:sld>
-</file>
-
-<file path=ppt/slides/slide16.xml><?xml version="1.0" encoding="utf-8"?>
-<p:sld xmlns:a="http://schemas.openxmlformats.org/drawingml/2006/main" xmlns:r="http://schemas.openxmlformats.org/officeDocument/2006/relationships" xmlns:p="http://schemas.openxmlformats.org/presentationml/2006/main">
-  <p:cSld>
-    <p:spTree>
-      <p:nvGrpSpPr>
-        <p:cNvPr id="1" name=""/>
-        <p:cNvGrpSpPr/>
-        <p:nvPr/>
-      </p:nvGrpSpPr>
-      <p:grpSpPr>
-        <a:xfrm>
-          <a:off x="0" y="0"/>
-          <a:ext cx="0" cy="0"/>
-          <a:chOff x="0" y="0"/>
-          <a:chExt cx="0" cy="0"/>
-        </a:xfrm>
-      </p:grpSpPr>
-      <p:sp>
-        <p:nvSpPr>
-          <p:cNvPr id="2" name="Titel 1">
-            <a:extLst>
-              <a:ext uri="{FF2B5EF4-FFF2-40B4-BE49-F238E27FC236}">
-                <a16:creationId xmlns:a16="http://schemas.microsoft.com/office/drawing/2014/main" id="{5F8A6C4C-5005-43BF-B52C-8639917F24D1}"/>
-              </a:ext>
-            </a:extLst>
-          </p:cNvPr>
-          <p:cNvSpPr>
-            <a:spLocks noGrp="1"/>
-          </p:cNvSpPr>
-          <p:nvPr>
-            <p:ph type="title"/>
-          </p:nvPr>
-        </p:nvSpPr>
-        <p:spPr>
-          <a:xfrm>
-            <a:off x="1003974" y="338126"/>
-            <a:ext cx="9884851" cy="736282"/>
-          </a:xfrm>
-        </p:spPr>
-        <p:txBody>
-          <a:bodyPr/>
-          <a:lstStyle/>
-          <a:p>
-            <a:r>
-              <a:rPr lang="de-DE" dirty="0"/>
-              <a:t>COMPARISON/2 TOPICS</a:t>
-            </a:r>
-          </a:p>
-        </p:txBody>
-      </p:sp>
-      <p:sp>
-        <p:nvSpPr>
-          <p:cNvPr id="3" name="Textplatzhalter 2">
-            <a:extLst>
-              <a:ext uri="{FF2B5EF4-FFF2-40B4-BE49-F238E27FC236}">
-                <a16:creationId xmlns:a16="http://schemas.microsoft.com/office/drawing/2014/main" id="{809E70C0-7FCB-44E6-8A9B-F561F11FC7E4}"/>
-              </a:ext>
-            </a:extLst>
-          </p:cNvPr>
-          <p:cNvSpPr>
-            <a:spLocks noGrp="1"/>
-          </p:cNvSpPr>
-          <p:nvPr>
-            <p:ph type="body" idx="1"/>
-          </p:nvPr>
         </p:nvSpPr>
         <p:spPr>
           <a:xfrm>
             <a:off x="1008639" y="1293840"/>
-            <a:ext cx="4937760" cy="736282"/>
-          </a:xfrm>
-        </p:spPr>
-        <p:txBody>
-          <a:bodyPr>
-            <a:normAutofit/>
-          </a:bodyPr>
-          <a:lstStyle/>
-          <a:p>
-            <a:r>
-              <a:rPr lang="de-DE" dirty="0"/>
-              <a:t>HEADING 1</a:t>
-            </a:r>
-          </a:p>
-        </p:txBody>
-      </p:sp>
-      <p:sp>
-        <p:nvSpPr>
-          <p:cNvPr id="5" name="Textplatzhalter 4">
-            <a:extLst>
-              <a:ext uri="{FF2B5EF4-FFF2-40B4-BE49-F238E27FC236}">
-                <a16:creationId xmlns:a16="http://schemas.microsoft.com/office/drawing/2014/main" id="{90EAE032-6D39-4260-BF6C-BF0851DFD401}"/>
-              </a:ext>
-            </a:extLst>
-          </p:cNvPr>
-          <p:cNvSpPr>
-            <a:spLocks noGrp="1"/>
-          </p:cNvSpPr>
-          <p:nvPr>
-            <p:ph type="body" sz="quarter" idx="3"/>
-          </p:nvPr>
-        </p:nvSpPr>
-        <p:spPr>
-          <a:xfrm>
-            <a:off x="6245603" y="1293840"/>
-            <a:ext cx="4937760" cy="736282"/>
-          </a:xfrm>
-        </p:spPr>
-        <p:txBody>
-          <a:bodyPr>
-            <a:normAutofit/>
-          </a:bodyPr>
-          <a:lstStyle/>
-          <a:p>
-            <a:r>
-              <a:rPr lang="de-DE" dirty="0"/>
-              <a:t>HEADING 2</a:t>
-            </a:r>
-          </a:p>
-        </p:txBody>
-      </p:sp>
-      <p:pic>
-        <p:nvPicPr>
-          <p:cNvPr id="10" name="Inhaltsplatzhalter 7" descr="Ein Bild, das Text enthält.&#10;&#10;Automatisch generierte Beschreibung">
-            <a:extLst>
-              <a:ext uri="{FF2B5EF4-FFF2-40B4-BE49-F238E27FC236}">
-                <a16:creationId xmlns:a16="http://schemas.microsoft.com/office/drawing/2014/main" id="{FE3CEE7C-419A-490A-AE05-86C0B5B5B783}"/>
-              </a:ext>
-            </a:extLst>
-          </p:cNvPr>
-          <p:cNvPicPr>
-            <a:picLocks noGrp="1" noChangeAspect="1"/>
-          </p:cNvPicPr>
-          <p:nvPr>
-            <p:ph sz="quarter" idx="4"/>
-          </p:nvPr>
-        </p:nvPicPr>
-        <p:blipFill>
-          <a:blip r:embed="rId2">
-            <a:extLst>
-              <a:ext uri="{28A0092B-C50C-407E-A947-70E740481C1C}">
-                <a14:useLocalDpi xmlns:a14="http://schemas.microsoft.com/office/drawing/2010/main" val="0"/>
-              </a:ext>
-            </a:extLst>
-          </a:blip>
-          <a:stretch>
-            <a:fillRect/>
-          </a:stretch>
-        </p:blipFill>
-        <p:spPr>
-          <a:xfrm>
-            <a:off x="1003974" y="2249554"/>
-            <a:ext cx="4476523" cy="2207317"/>
-          </a:xfrm>
-        </p:spPr>
-      </p:pic>
-      <p:pic>
-        <p:nvPicPr>
-          <p:cNvPr id="11" name="Inhaltsplatzhalter 7" descr="Ein Bild, das Text enthält.&#10;&#10;Automatisch generierte Beschreibung">
-            <a:extLst>
-              <a:ext uri="{FF2B5EF4-FFF2-40B4-BE49-F238E27FC236}">
-                <a16:creationId xmlns:a16="http://schemas.microsoft.com/office/drawing/2014/main" id="{863C98F9-71A0-456B-BEA5-746B323D4082}"/>
-              </a:ext>
-            </a:extLst>
-          </p:cNvPr>
-          <p:cNvPicPr>
-            <a:picLocks noChangeAspect="1"/>
-          </p:cNvPicPr>
-          <p:nvPr/>
-        </p:nvPicPr>
-        <p:blipFill>
-          <a:blip r:embed="rId3">
-            <a:extLst>
-              <a:ext uri="{28A0092B-C50C-407E-A947-70E740481C1C}">
-                <a14:useLocalDpi xmlns:a14="http://schemas.microsoft.com/office/drawing/2010/main" val="0"/>
-              </a:ext>
-            </a:extLst>
-          </a:blip>
-          <a:stretch>
-            <a:fillRect/>
-          </a:stretch>
-        </p:blipFill>
-        <p:spPr>
-          <a:xfrm>
-            <a:off x="6412302" y="3001315"/>
-            <a:ext cx="4476523" cy="1455556"/>
-          </a:xfrm>
-          <a:prstGeom prst="rect">
-            <a:avLst/>
-          </a:prstGeom>
-        </p:spPr>
-      </p:pic>
-      <p:sp>
-        <p:nvSpPr>
-          <p:cNvPr id="7" name="Textfeld 6">
-            <a:extLst>
-              <a:ext uri="{FF2B5EF4-FFF2-40B4-BE49-F238E27FC236}">
-                <a16:creationId xmlns:a16="http://schemas.microsoft.com/office/drawing/2014/main" id="{907B3982-B6BC-4AD8-90D6-86D5E56BD33A}"/>
-              </a:ext>
-            </a:extLst>
-          </p:cNvPr>
-          <p:cNvSpPr txBox="1"/>
-          <p:nvPr/>
-        </p:nvSpPr>
-        <p:spPr>
-          <a:xfrm>
-            <a:off x="1003974" y="5052060"/>
-            <a:ext cx="4476523" cy="369332"/>
-          </a:xfrm>
-          <a:prstGeom prst="rect">
-            <a:avLst/>
-          </a:prstGeom>
-          <a:noFill/>
-        </p:spPr>
-        <p:txBody>
-          <a:bodyPr wrap="square" rtlCol="0">
-            <a:spAutoFit/>
-          </a:bodyPr>
-          <a:lstStyle/>
-          <a:p>
-            <a:r>
-              <a:rPr lang="de-DE" dirty="0">
-                <a:latin typeface="Arial" panose="020B0604020202020204" pitchFamily="34" charset="0"/>
-                <a:cs typeface="Arial" panose="020B0604020202020204" pitchFamily="34" charset="0"/>
-              </a:rPr>
-              <a:t>TEXT</a:t>
-            </a:r>
-          </a:p>
-        </p:txBody>
-      </p:sp>
-      <p:sp>
-        <p:nvSpPr>
-          <p:cNvPr id="8" name="Textfeld 7">
-            <a:extLst>
-              <a:ext uri="{FF2B5EF4-FFF2-40B4-BE49-F238E27FC236}">
-                <a16:creationId xmlns:a16="http://schemas.microsoft.com/office/drawing/2014/main" id="{F10F6889-47FE-4B47-8283-F31BD3499FBA}"/>
-              </a:ext>
-            </a:extLst>
-          </p:cNvPr>
-          <p:cNvSpPr txBox="1"/>
-          <p:nvPr/>
-        </p:nvSpPr>
-        <p:spPr>
-          <a:xfrm>
-            <a:off x="6412302" y="5052060"/>
-            <a:ext cx="4139525" cy="369332"/>
-          </a:xfrm>
-          <a:prstGeom prst="rect">
-            <a:avLst/>
-          </a:prstGeom>
-          <a:noFill/>
-        </p:spPr>
-        <p:txBody>
-          <a:bodyPr wrap="square" rtlCol="0">
-            <a:spAutoFit/>
-          </a:bodyPr>
-          <a:lstStyle/>
-          <a:p>
-            <a:r>
-              <a:rPr lang="de-DE" dirty="0">
-                <a:latin typeface="Arial" panose="020B0604020202020204" pitchFamily="34" charset="0"/>
-                <a:cs typeface="Arial" panose="020B0604020202020204" pitchFamily="34" charset="0"/>
-              </a:rPr>
-              <a:t>TEXT</a:t>
-            </a:r>
-          </a:p>
-        </p:txBody>
-      </p:sp>
-      <p:sp>
-        <p:nvSpPr>
-          <p:cNvPr id="9" name="Foliennummernplatzhalter 8">
-            <a:extLst>
-              <a:ext uri="{FF2B5EF4-FFF2-40B4-BE49-F238E27FC236}">
-                <a16:creationId xmlns:a16="http://schemas.microsoft.com/office/drawing/2014/main" id="{52C362E0-8568-4D54-9762-607080E3D2B1}"/>
-              </a:ext>
-            </a:extLst>
-          </p:cNvPr>
-          <p:cNvSpPr>
-            <a:spLocks noGrp="1"/>
-          </p:cNvSpPr>
-          <p:nvPr>
-            <p:ph type="sldNum" sz="quarter" idx="4294967295"/>
-          </p:nvPr>
-        </p:nvSpPr>
-        <p:spPr>
-          <a:xfrm>
-            <a:off x="9843655" y="6424986"/>
-            <a:ext cx="1312025" cy="365125"/>
-          </a:xfrm>
-        </p:spPr>
-        <p:txBody>
-          <a:bodyPr/>
-          <a:lstStyle/>
-          <a:p>
-            <a:fld id="{489ECDB1-2E24-4918-B7B1-E72EEFEDE6FE}" type="slidenum">
-              <a:rPr lang="de-DE" smtClean="0"/>
-              <a:t>16</a:t>
-            </a:fld>
-            <a:endParaRPr lang="de-DE"/>
-          </a:p>
-        </p:txBody>
-      </p:sp>
-      <p:sp>
-        <p:nvSpPr>
-          <p:cNvPr id="14" name="Datumsplatzhalter 13">
-            <a:extLst>
-              <a:ext uri="{FF2B5EF4-FFF2-40B4-BE49-F238E27FC236}">
-                <a16:creationId xmlns:a16="http://schemas.microsoft.com/office/drawing/2014/main" id="{761AC343-442C-4C9F-BF7F-63805BC0AC9E}"/>
-              </a:ext>
-            </a:extLst>
-          </p:cNvPr>
-          <p:cNvSpPr>
-            <a:spLocks noGrp="1"/>
-          </p:cNvSpPr>
-          <p:nvPr>
-            <p:ph type="dt" sz="half" idx="4294967295"/>
-          </p:nvPr>
-        </p:nvSpPr>
-        <p:spPr>
-          <a:xfrm>
-            <a:off x="1093889" y="6424985"/>
-            <a:ext cx="2472271" cy="365125"/>
-          </a:xfrm>
-        </p:spPr>
-        <p:txBody>
-          <a:bodyPr/>
-          <a:lstStyle/>
-          <a:p>
-            <a:pPr algn="l"/>
-            <a:fld id="{34B7D4B0-4CCF-42E8-A263-A5B4D64906BC}" type="datetime1">
-              <a:rPr lang="de-DE" smtClean="0"/>
-              <a:t>11.10.2021</a:t>
-            </a:fld>
-            <a:endParaRPr lang="de-DE" dirty="0"/>
-          </a:p>
-        </p:txBody>
-      </p:sp>
-      <p:sp>
-        <p:nvSpPr>
-          <p:cNvPr id="15" name="Fußzeilenplatzhalter 14">
-            <a:extLst>
-              <a:ext uri="{FF2B5EF4-FFF2-40B4-BE49-F238E27FC236}">
-                <a16:creationId xmlns:a16="http://schemas.microsoft.com/office/drawing/2014/main" id="{60081690-1DE9-489F-B409-AD438B1ABB2A}"/>
-              </a:ext>
-            </a:extLst>
-          </p:cNvPr>
-          <p:cNvSpPr>
-            <a:spLocks noGrp="1"/>
-          </p:cNvSpPr>
-          <p:nvPr>
-            <p:ph type="ftr" sz="quarter" idx="4294967295"/>
-          </p:nvPr>
-        </p:nvSpPr>
-        <p:spPr>
-          <a:xfrm>
-            <a:off x="3684598" y="6424985"/>
-            <a:ext cx="4822804" cy="365125"/>
-          </a:xfrm>
-        </p:spPr>
-        <p:txBody>
-          <a:bodyPr/>
-          <a:lstStyle/>
-          <a:p>
-            <a:r>
-              <a:rPr lang="de-DE"/>
-              <a:t>Moritz Flüchter: TSN Inter-Domain Communication</a:t>
-            </a:r>
-          </a:p>
-        </p:txBody>
-      </p:sp>
-    </p:spTree>
-    <p:extLst>
-      <p:ext uri="{BB962C8B-B14F-4D97-AF65-F5344CB8AC3E}">
-        <p14:creationId xmlns:p14="http://schemas.microsoft.com/office/powerpoint/2010/main" val="2789178426"/>
-      </p:ext>
-    </p:extLst>
-  </p:cSld>
-  <p:clrMapOvr>
-    <a:masterClrMapping/>
-  </p:clrMapOvr>
-</p:sld>
-</file>
-
-<file path=ppt/slides/slide17.xml><?xml version="1.0" encoding="utf-8"?>
-<p:sld xmlns:a="http://schemas.openxmlformats.org/drawingml/2006/main" xmlns:r="http://schemas.openxmlformats.org/officeDocument/2006/relationships" xmlns:p="http://schemas.openxmlformats.org/presentationml/2006/main">
-  <p:cSld>
-    <p:spTree>
-      <p:nvGrpSpPr>
-        <p:cNvPr id="1" name=""/>
-        <p:cNvGrpSpPr/>
-        <p:nvPr/>
-      </p:nvGrpSpPr>
-      <p:grpSpPr>
-        <a:xfrm>
-          <a:off x="0" y="0"/>
-          <a:ext cx="0" cy="0"/>
-          <a:chOff x="0" y="0"/>
-          <a:chExt cx="0" cy="0"/>
-        </a:xfrm>
-      </p:grpSpPr>
-      <p:sp>
-        <p:nvSpPr>
-          <p:cNvPr id="2" name="Titel 1">
-            <a:extLst>
-              <a:ext uri="{FF2B5EF4-FFF2-40B4-BE49-F238E27FC236}">
-                <a16:creationId xmlns:a16="http://schemas.microsoft.com/office/drawing/2014/main" id="{F6E41F0A-2E2D-4FC5-9F43-4600FAEFA395}"/>
-              </a:ext>
-            </a:extLst>
-          </p:cNvPr>
-          <p:cNvSpPr>
-            <a:spLocks noGrp="1"/>
-          </p:cNvSpPr>
-          <p:nvPr>
-            <p:ph type="title"/>
-          </p:nvPr>
-        </p:nvSpPr>
-        <p:spPr/>
-        <p:txBody>
-          <a:bodyPr/>
-          <a:lstStyle/>
-          <a:p>
-            <a:r>
-              <a:rPr lang="de-DE" dirty="0"/>
-              <a:t>TEXT + IMAGE</a:t>
-            </a:r>
-          </a:p>
-        </p:txBody>
-      </p:sp>
-      <p:sp>
-        <p:nvSpPr>
-          <p:cNvPr id="3" name="Inhaltsplatzhalter 2">
-            <a:extLst>
-              <a:ext uri="{FF2B5EF4-FFF2-40B4-BE49-F238E27FC236}">
-                <a16:creationId xmlns:a16="http://schemas.microsoft.com/office/drawing/2014/main" id="{EAC75DC9-155E-4132-B159-673C386F5A43}"/>
-              </a:ext>
-            </a:extLst>
-          </p:cNvPr>
-          <p:cNvSpPr>
-            <a:spLocks noGrp="1"/>
-          </p:cNvSpPr>
-          <p:nvPr>
-            <p:ph idx="1"/>
-          </p:nvPr>
-        </p:nvSpPr>
-        <p:spPr>
-          <a:xfrm>
-            <a:off x="1097279" y="1845734"/>
-            <a:ext cx="5455843" cy="4023360"/>
-          </a:xfrm>
-        </p:spPr>
-        <p:txBody>
-          <a:bodyPr/>
-          <a:lstStyle/>
-          <a:p>
-            <a:pPr>
-              <a:buFont typeface="Arial" panose="020B0604020202020204" pitchFamily="34" charset="0"/>
-              <a:buChar char="•"/>
-            </a:pPr>
-            <a:r>
-              <a:rPr lang="de-DE" dirty="0"/>
-              <a:t>TEXT</a:t>
-            </a:r>
-          </a:p>
-        </p:txBody>
-      </p:sp>
-      <p:sp>
-        <p:nvSpPr>
-          <p:cNvPr id="4" name="Datumsplatzhalter 3">
-            <a:extLst>
-              <a:ext uri="{FF2B5EF4-FFF2-40B4-BE49-F238E27FC236}">
-                <a16:creationId xmlns:a16="http://schemas.microsoft.com/office/drawing/2014/main" id="{C463F406-173E-488D-A788-00333B5AE97E}"/>
-              </a:ext>
-            </a:extLst>
-          </p:cNvPr>
-          <p:cNvSpPr>
-            <a:spLocks noGrp="1"/>
-          </p:cNvSpPr>
-          <p:nvPr>
-            <p:ph type="dt" sz="half" idx="10"/>
-          </p:nvPr>
-        </p:nvSpPr>
-        <p:spPr/>
-        <p:txBody>
-          <a:bodyPr/>
-          <a:lstStyle/>
-          <a:p>
-            <a:fld id="{7778186D-7CAD-425C-A5EB-B223AE6329F4}" type="datetime1">
-              <a:rPr lang="de-DE" smtClean="0"/>
-              <a:t>11.10.2021</a:t>
-            </a:fld>
-            <a:endParaRPr lang="de-DE" dirty="0"/>
-          </a:p>
-        </p:txBody>
-      </p:sp>
-      <p:sp>
-        <p:nvSpPr>
-          <p:cNvPr id="5" name="Fußzeilenplatzhalter 4">
-            <a:extLst>
-              <a:ext uri="{FF2B5EF4-FFF2-40B4-BE49-F238E27FC236}">
-                <a16:creationId xmlns:a16="http://schemas.microsoft.com/office/drawing/2014/main" id="{F6590142-F7C8-4816-BA0F-F63B394887CE}"/>
-              </a:ext>
-            </a:extLst>
-          </p:cNvPr>
-          <p:cNvSpPr>
-            <a:spLocks noGrp="1"/>
-          </p:cNvSpPr>
-          <p:nvPr>
-            <p:ph type="ftr" sz="quarter" idx="11"/>
-          </p:nvPr>
-        </p:nvSpPr>
-        <p:spPr/>
-        <p:txBody>
-          <a:bodyPr/>
-          <a:lstStyle/>
-          <a:p>
-            <a:r>
-              <a:rPr lang="de-DE" dirty="0"/>
-              <a:t>Moritz Flüchter: TSN Inter-Domain Communication</a:t>
-            </a:r>
-          </a:p>
-        </p:txBody>
-      </p:sp>
-      <p:sp>
-        <p:nvSpPr>
-          <p:cNvPr id="6" name="Foliennummernplatzhalter 5">
-            <a:extLst>
-              <a:ext uri="{FF2B5EF4-FFF2-40B4-BE49-F238E27FC236}">
-                <a16:creationId xmlns:a16="http://schemas.microsoft.com/office/drawing/2014/main" id="{7E703547-174F-44ED-AE14-A037549BC75F}"/>
-              </a:ext>
-            </a:extLst>
-          </p:cNvPr>
-          <p:cNvSpPr>
-            <a:spLocks noGrp="1"/>
-          </p:cNvSpPr>
-          <p:nvPr>
-            <p:ph type="sldNum" sz="quarter" idx="12"/>
-          </p:nvPr>
-        </p:nvSpPr>
-        <p:spPr/>
-        <p:txBody>
-          <a:bodyPr/>
-          <a:lstStyle/>
-          <a:p>
-            <a:fld id="{489ECDB1-2E24-4918-B7B1-E72EEFEDE6FE}" type="slidenum">
-              <a:rPr lang="de-DE" smtClean="0"/>
-              <a:t>17</a:t>
-            </a:fld>
-            <a:endParaRPr lang="de-DE" dirty="0"/>
-          </a:p>
-        </p:txBody>
-      </p:sp>
-      <p:sp>
-        <p:nvSpPr>
-          <p:cNvPr id="9" name="Textplatzhalter 2">
-            <a:extLst>
-              <a:ext uri="{FF2B5EF4-FFF2-40B4-BE49-F238E27FC236}">
-                <a16:creationId xmlns:a16="http://schemas.microsoft.com/office/drawing/2014/main" id="{2BBB3040-5284-4B4F-A563-7C876497D4D0}"/>
-              </a:ext>
-            </a:extLst>
-          </p:cNvPr>
-          <p:cNvSpPr txBox="1">
-            <a:spLocks/>
-          </p:cNvSpPr>
-          <p:nvPr/>
-        </p:nvSpPr>
-        <p:spPr>
-          <a:xfrm>
-            <a:off x="1008638" y="1293840"/>
-            <a:ext cx="9847621" cy="736282"/>
-          </a:xfrm>
-          <a:prstGeom prst="rect">
-            <a:avLst/>
-          </a:prstGeom>
-        </p:spPr>
-        <p:txBody>
-          <a:bodyPr vert="horz" lIns="91440" tIns="45720" rIns="91440" bIns="45720" rtlCol="0" anchor="ctr">
-            <a:normAutofit/>
-          </a:bodyPr>
-          <a:lstStyle>
-            <a:lvl1pPr marL="0" indent="0" algn="l" defTabSz="914400" rtl="0" eaLnBrk="1" latinLnBrk="0" hangingPunct="1">
-              <a:lnSpc>
-                <a:spcPct val="90000"/>
-              </a:lnSpc>
-              <a:spcBef>
-                <a:spcPts val="1200"/>
-              </a:spcBef>
-              <a:spcAft>
-                <a:spcPts val="200"/>
-              </a:spcAft>
-              <a:buClr>
-                <a:schemeClr val="accent1"/>
-              </a:buClr>
-              <a:buSzPct val="100000"/>
-              <a:buFont typeface="Calibri" panose="020F0502020204030204" pitchFamily="34" charset="0"/>
-              <a:buNone/>
-              <a:defRPr sz="2000" b="0" kern="1200" cap="all" baseline="0">
-                <a:solidFill>
-                  <a:schemeClr val="tx2"/>
-                </a:solidFill>
-                <a:latin typeface="Arial" panose="020B0604020202020204" pitchFamily="34" charset="0"/>
-                <a:ea typeface="+mn-ea"/>
-                <a:cs typeface="Arial" panose="020B0604020202020204" pitchFamily="34" charset="0"/>
-              </a:defRPr>
-            </a:lvl1pPr>
-            <a:lvl2pPr marL="457200" indent="0" algn="l" defTabSz="914400" rtl="0" eaLnBrk="1" latinLnBrk="0" hangingPunct="1">
-              <a:lnSpc>
-                <a:spcPct val="90000"/>
-              </a:lnSpc>
-              <a:spcBef>
-                <a:spcPts val="200"/>
-              </a:spcBef>
-              <a:spcAft>
-                <a:spcPts val="400"/>
-              </a:spcAft>
-              <a:buClr>
-                <a:schemeClr val="accent1"/>
-              </a:buClr>
-              <a:buFont typeface="Calibri" pitchFamily="34" charset="0"/>
-              <a:buNone/>
-              <a:defRPr sz="2000" b="1" kern="1200">
-                <a:solidFill>
-                  <a:schemeClr val="tx1">
-                    <a:lumMod val="75000"/>
-                    <a:lumOff val="25000"/>
-                  </a:schemeClr>
-                </a:solidFill>
-                <a:latin typeface="Arial" panose="020B0604020202020204" pitchFamily="34" charset="0"/>
-                <a:ea typeface="+mn-ea"/>
-                <a:cs typeface="Arial" panose="020B0604020202020204" pitchFamily="34" charset="0"/>
-              </a:defRPr>
-            </a:lvl2pPr>
-            <a:lvl3pPr marL="914400" indent="0" algn="l" defTabSz="914400" rtl="0" eaLnBrk="1" latinLnBrk="0" hangingPunct="1">
-              <a:lnSpc>
-                <a:spcPct val="90000"/>
-              </a:lnSpc>
-              <a:spcBef>
-                <a:spcPts val="200"/>
-              </a:spcBef>
-              <a:spcAft>
-                <a:spcPts val="400"/>
-              </a:spcAft>
-              <a:buClr>
-                <a:schemeClr val="accent1"/>
-              </a:buClr>
-              <a:buFont typeface="Calibri" pitchFamily="34" charset="0"/>
-              <a:buNone/>
-              <a:defRPr sz="1800" b="1" kern="1200">
-                <a:solidFill>
-                  <a:schemeClr val="tx1">
-                    <a:lumMod val="75000"/>
-                    <a:lumOff val="25000"/>
-                  </a:schemeClr>
-                </a:solidFill>
-                <a:latin typeface="Arial" panose="020B0604020202020204" pitchFamily="34" charset="0"/>
-                <a:ea typeface="+mn-ea"/>
-                <a:cs typeface="Arial" panose="020B0604020202020204" pitchFamily="34" charset="0"/>
-              </a:defRPr>
-            </a:lvl3pPr>
-            <a:lvl4pPr marL="1371600" indent="0" algn="l" defTabSz="914400" rtl="0" eaLnBrk="1" latinLnBrk="0" hangingPunct="1">
-              <a:lnSpc>
-                <a:spcPct val="90000"/>
-              </a:lnSpc>
-              <a:spcBef>
-                <a:spcPts val="200"/>
-              </a:spcBef>
-              <a:spcAft>
-                <a:spcPts val="400"/>
-              </a:spcAft>
-              <a:buClr>
-                <a:schemeClr val="accent1"/>
-              </a:buClr>
-              <a:buFont typeface="Calibri" pitchFamily="34" charset="0"/>
-              <a:buNone/>
-              <a:defRPr sz="1600" b="1" kern="1200">
-                <a:solidFill>
-                  <a:schemeClr val="tx1">
-                    <a:lumMod val="75000"/>
-                    <a:lumOff val="25000"/>
-                  </a:schemeClr>
-                </a:solidFill>
-                <a:latin typeface="Arial" panose="020B0604020202020204" pitchFamily="34" charset="0"/>
-                <a:ea typeface="+mn-ea"/>
-                <a:cs typeface="Arial" panose="020B0604020202020204" pitchFamily="34" charset="0"/>
-              </a:defRPr>
-            </a:lvl4pPr>
-            <a:lvl5pPr marL="1828800" indent="0" algn="l" defTabSz="914400" rtl="0" eaLnBrk="1" latinLnBrk="0" hangingPunct="1">
-              <a:lnSpc>
-                <a:spcPct val="90000"/>
-              </a:lnSpc>
-              <a:spcBef>
-                <a:spcPts val="200"/>
-              </a:spcBef>
-              <a:spcAft>
-                <a:spcPts val="400"/>
-              </a:spcAft>
-              <a:buClr>
-                <a:schemeClr val="accent1"/>
-              </a:buClr>
-              <a:buFont typeface="Calibri" pitchFamily="34" charset="0"/>
-              <a:buNone/>
-              <a:defRPr sz="1600" b="1" kern="1200">
-                <a:solidFill>
-                  <a:schemeClr val="tx1">
-                    <a:lumMod val="75000"/>
-                    <a:lumOff val="25000"/>
-                  </a:schemeClr>
-                </a:solidFill>
-                <a:latin typeface="Arial" panose="020B0604020202020204" pitchFamily="34" charset="0"/>
-                <a:ea typeface="+mn-ea"/>
-                <a:cs typeface="Arial" panose="020B0604020202020204" pitchFamily="34" charset="0"/>
-              </a:defRPr>
-            </a:lvl5pPr>
-            <a:lvl6pPr marL="2286000" indent="0" algn="l" defTabSz="914400" rtl="0" eaLnBrk="1" latinLnBrk="0" hangingPunct="1">
-              <a:lnSpc>
-                <a:spcPct val="90000"/>
-              </a:lnSpc>
-              <a:spcBef>
-                <a:spcPts val="200"/>
-              </a:spcBef>
-              <a:spcAft>
-                <a:spcPts val="400"/>
-              </a:spcAft>
-              <a:buClr>
-                <a:schemeClr val="accent1"/>
-              </a:buClr>
-              <a:buFont typeface="Calibri" pitchFamily="34" charset="0"/>
-              <a:buNone/>
-              <a:defRPr sz="1600" b="1" kern="1200">
-                <a:solidFill>
-                  <a:schemeClr val="tx1">
-                    <a:lumMod val="75000"/>
-                    <a:lumOff val="25000"/>
-                  </a:schemeClr>
-                </a:solidFill>
-                <a:latin typeface="+mn-lt"/>
-                <a:ea typeface="+mn-ea"/>
-                <a:cs typeface="+mn-cs"/>
-              </a:defRPr>
-            </a:lvl6pPr>
-            <a:lvl7pPr marL="2743200" indent="0" algn="l" defTabSz="914400" rtl="0" eaLnBrk="1" latinLnBrk="0" hangingPunct="1">
-              <a:lnSpc>
-                <a:spcPct val="90000"/>
-              </a:lnSpc>
-              <a:spcBef>
-                <a:spcPts val="200"/>
-              </a:spcBef>
-              <a:spcAft>
-                <a:spcPts val="400"/>
-              </a:spcAft>
-              <a:buClr>
-                <a:schemeClr val="accent1"/>
-              </a:buClr>
-              <a:buFont typeface="Calibri" pitchFamily="34" charset="0"/>
-              <a:buNone/>
-              <a:defRPr sz="1600" b="1" kern="1200">
-                <a:solidFill>
-                  <a:schemeClr val="tx1">
-                    <a:lumMod val="75000"/>
-                    <a:lumOff val="25000"/>
-                  </a:schemeClr>
-                </a:solidFill>
-                <a:latin typeface="+mn-lt"/>
-                <a:ea typeface="+mn-ea"/>
-                <a:cs typeface="+mn-cs"/>
-              </a:defRPr>
-            </a:lvl7pPr>
-            <a:lvl8pPr marL="3200400" indent="0" algn="l" defTabSz="914400" rtl="0" eaLnBrk="1" latinLnBrk="0" hangingPunct="1">
-              <a:lnSpc>
-                <a:spcPct val="90000"/>
-              </a:lnSpc>
-              <a:spcBef>
-                <a:spcPts val="200"/>
-              </a:spcBef>
-              <a:spcAft>
-                <a:spcPts val="400"/>
-              </a:spcAft>
-              <a:buClr>
-                <a:schemeClr val="accent1"/>
-              </a:buClr>
-              <a:buFont typeface="Calibri" pitchFamily="34" charset="0"/>
-              <a:buNone/>
-              <a:defRPr sz="1600" b="1" kern="1200">
-                <a:solidFill>
-                  <a:schemeClr val="tx1">
-                    <a:lumMod val="75000"/>
-                    <a:lumOff val="25000"/>
-                  </a:schemeClr>
-                </a:solidFill>
-                <a:latin typeface="+mn-lt"/>
-                <a:ea typeface="+mn-ea"/>
-                <a:cs typeface="+mn-cs"/>
-              </a:defRPr>
-            </a:lvl8pPr>
-            <a:lvl9pPr marL="3657600" indent="0" algn="l" defTabSz="914400" rtl="0" eaLnBrk="1" latinLnBrk="0" hangingPunct="1">
-              <a:lnSpc>
-                <a:spcPct val="90000"/>
-              </a:lnSpc>
-              <a:spcBef>
-                <a:spcPts val="200"/>
-              </a:spcBef>
-              <a:spcAft>
-                <a:spcPts val="400"/>
-              </a:spcAft>
-              <a:buClr>
-                <a:schemeClr val="accent1"/>
-              </a:buClr>
-              <a:buFont typeface="Calibri" pitchFamily="34" charset="0"/>
-              <a:buNone/>
-              <a:defRPr sz="1600" b="1" kern="1200">
-                <a:solidFill>
-                  <a:schemeClr val="tx1">
-                    <a:lumMod val="75000"/>
-                    <a:lumOff val="25000"/>
-                  </a:schemeClr>
-                </a:solidFill>
-                <a:latin typeface="+mn-lt"/>
-                <a:ea typeface="+mn-ea"/>
-                <a:cs typeface="+mn-cs"/>
-              </a:defRPr>
-            </a:lvl9pPr>
-          </a:lstStyle>
-          <a:p>
-            <a:r>
-              <a:rPr lang="de-DE" sz="1900" dirty="0"/>
-              <a:t>HEADING</a:t>
-            </a:r>
-          </a:p>
-        </p:txBody>
-      </p:sp>
-      <p:pic>
-        <p:nvPicPr>
-          <p:cNvPr id="8" name="Grafik 7">
-            <a:extLst>
-              <a:ext uri="{FF2B5EF4-FFF2-40B4-BE49-F238E27FC236}">
-                <a16:creationId xmlns:a16="http://schemas.microsoft.com/office/drawing/2014/main" id="{AA9627ED-B0C1-41E3-B29E-1572A5BF9650}"/>
-              </a:ext>
-            </a:extLst>
-          </p:cNvPr>
-          <p:cNvPicPr>
-            <a:picLocks noChangeAspect="1"/>
-          </p:cNvPicPr>
-          <p:nvPr/>
-        </p:nvPicPr>
-        <p:blipFill>
-          <a:blip r:embed="rId3"/>
-          <a:stretch>
-            <a:fillRect/>
-          </a:stretch>
-        </p:blipFill>
-        <p:spPr>
-          <a:xfrm>
-            <a:off x="6553122" y="2030122"/>
-            <a:ext cx="4541599" cy="4084321"/>
-          </a:xfrm>
-          <a:prstGeom prst="rect">
-            <a:avLst/>
-          </a:prstGeom>
-        </p:spPr>
-      </p:pic>
-    </p:spTree>
-    <p:extLst>
-      <p:ext uri="{BB962C8B-B14F-4D97-AF65-F5344CB8AC3E}">
-        <p14:creationId xmlns:p14="http://schemas.microsoft.com/office/powerpoint/2010/main" val="411711707"/>
-      </p:ext>
-    </p:extLst>
-  </p:cSld>
-  <p:clrMapOvr>
-    <a:masterClrMapping/>
-  </p:clrMapOvr>
-</p:sld>
-</file>
-
-<file path=ppt/slides/slide18.xml><?xml version="1.0" encoding="utf-8"?>
-<p:sld xmlns:a="http://schemas.openxmlformats.org/drawingml/2006/main" xmlns:r="http://schemas.openxmlformats.org/officeDocument/2006/relationships" xmlns:p="http://schemas.openxmlformats.org/presentationml/2006/main">
-  <p:cSld>
-    <p:spTree>
-      <p:nvGrpSpPr>
-        <p:cNvPr id="1" name=""/>
-        <p:cNvGrpSpPr/>
-        <p:nvPr/>
-      </p:nvGrpSpPr>
-      <p:grpSpPr>
-        <a:xfrm>
-          <a:off x="0" y="0"/>
-          <a:ext cx="0" cy="0"/>
-          <a:chOff x="0" y="0"/>
-          <a:chExt cx="0" cy="0"/>
-        </a:xfrm>
-      </p:grpSpPr>
-      <p:sp>
-        <p:nvSpPr>
-          <p:cNvPr id="2" name="Titel 1">
-            <a:extLst>
-              <a:ext uri="{FF2B5EF4-FFF2-40B4-BE49-F238E27FC236}">
-                <a16:creationId xmlns:a16="http://schemas.microsoft.com/office/drawing/2014/main" id="{2E95E249-8C95-491A-B0B4-48FEFE9C0955}"/>
-              </a:ext>
-            </a:extLst>
-          </p:cNvPr>
-          <p:cNvSpPr>
-            <a:spLocks noGrp="1"/>
-          </p:cNvSpPr>
-          <p:nvPr>
-            <p:ph type="title"/>
-          </p:nvPr>
-        </p:nvSpPr>
-        <p:spPr>
-          <a:xfrm>
-            <a:off x="1031965" y="374931"/>
-            <a:ext cx="9966960" cy="702300"/>
-          </a:xfrm>
-        </p:spPr>
-        <p:txBody>
-          <a:bodyPr/>
-          <a:lstStyle/>
-          <a:p>
-            <a:r>
-              <a:rPr lang="de-DE" dirty="0"/>
-              <a:t>TEXT BELOW IMAGE</a:t>
-            </a:r>
-          </a:p>
-        </p:txBody>
-      </p:sp>
-      <p:sp>
-        <p:nvSpPr>
-          <p:cNvPr id="7" name="Textplatzhalter 2">
-            <a:extLst>
-              <a:ext uri="{FF2B5EF4-FFF2-40B4-BE49-F238E27FC236}">
-                <a16:creationId xmlns:a16="http://schemas.microsoft.com/office/drawing/2014/main" id="{91D8DFCA-7F1D-4637-83A0-C4BE637183AB}"/>
-              </a:ext>
-            </a:extLst>
-          </p:cNvPr>
-          <p:cNvSpPr txBox="1">
-            <a:spLocks/>
-          </p:cNvSpPr>
-          <p:nvPr/>
-        </p:nvSpPr>
-        <p:spPr>
-          <a:xfrm>
-            <a:off x="1031965" y="1469864"/>
             <a:ext cx="4937760" cy="736282"/>
           </a:xfrm>
           <a:prstGeom prst="rect">
@@ -7364,20 +6504,142 @@
             <a:r>
               <a:rPr lang="de-DE" dirty="0">
                 <a:solidFill>
-                  <a:schemeClr val="tx2"/>
+                  <a:schemeClr val="bg1">
+                    <a:lumMod val="50000"/>
+                  </a:schemeClr>
                 </a:solidFill>
               </a:rPr>
-              <a:t>HEADING</a:t>
-            </a:r>
-          </a:p>
-        </p:txBody>
-      </p:sp>
-      <p:sp>
-        <p:nvSpPr>
-          <p:cNvPr id="10" name="Foliennummernplatzhalter 9">
+              <a:t>GIT</a:t>
+            </a:r>
+          </a:p>
+        </p:txBody>
+      </p:sp>
+    </p:spTree>
+    <p:extLst>
+      <p:ext uri="{BB962C8B-B14F-4D97-AF65-F5344CB8AC3E}">
+        <p14:creationId xmlns:p14="http://schemas.microsoft.com/office/powerpoint/2010/main" val="2902150698"/>
+      </p:ext>
+    </p:extLst>
+  </p:cSld>
+  <p:clrMapOvr>
+    <a:masterClrMapping/>
+  </p:clrMapOvr>
+</p:sld>
+</file>
+
+<file path=ppt/slides/slide16.xml><?xml version="1.0" encoding="utf-8"?>
+<p:sld xmlns:a="http://schemas.openxmlformats.org/drawingml/2006/main" xmlns:r="http://schemas.openxmlformats.org/officeDocument/2006/relationships" xmlns:p="http://schemas.openxmlformats.org/presentationml/2006/main">
+  <p:cSld>
+    <p:spTree>
+      <p:nvGrpSpPr>
+        <p:cNvPr id="1" name=""/>
+        <p:cNvGrpSpPr/>
+        <p:nvPr/>
+      </p:nvGrpSpPr>
+      <p:grpSpPr>
+        <a:xfrm>
+          <a:off x="0" y="0"/>
+          <a:ext cx="0" cy="0"/>
+          <a:chOff x="0" y="0"/>
+          <a:chExt cx="0" cy="0"/>
+        </a:xfrm>
+      </p:grpSpPr>
+      <p:sp>
+        <p:nvSpPr>
+          <p:cNvPr id="2" name="Titel 1">
             <a:extLst>
               <a:ext uri="{FF2B5EF4-FFF2-40B4-BE49-F238E27FC236}">
-                <a16:creationId xmlns:a16="http://schemas.microsoft.com/office/drawing/2014/main" id="{27E260EC-EAF8-4091-8490-98EC57F39314}"/>
+                <a16:creationId xmlns:a16="http://schemas.microsoft.com/office/drawing/2014/main" id="{F6E41F0A-2E2D-4FC5-9F43-4600FAEFA395}"/>
+              </a:ext>
+            </a:extLst>
+          </p:cNvPr>
+          <p:cNvSpPr>
+            <a:spLocks noGrp="1"/>
+          </p:cNvSpPr>
+          <p:nvPr>
+            <p:ph type="title"/>
+          </p:nvPr>
+        </p:nvSpPr>
+        <p:spPr/>
+        <p:txBody>
+          <a:bodyPr/>
+          <a:lstStyle/>
+          <a:p>
+            <a:r>
+              <a:rPr lang="de-DE" dirty="0" err="1"/>
+              <a:t>Git</a:t>
+            </a:r>
+            <a:r>
+              <a:rPr lang="de-DE" dirty="0"/>
+              <a:t> VS GitHub</a:t>
+            </a:r>
+          </a:p>
+        </p:txBody>
+      </p:sp>
+      <p:sp>
+        <p:nvSpPr>
+          <p:cNvPr id="4" name="Datumsplatzhalter 3">
+            <a:extLst>
+              <a:ext uri="{FF2B5EF4-FFF2-40B4-BE49-F238E27FC236}">
+                <a16:creationId xmlns:a16="http://schemas.microsoft.com/office/drawing/2014/main" id="{C463F406-173E-488D-A788-00333B5AE97E}"/>
+              </a:ext>
+            </a:extLst>
+          </p:cNvPr>
+          <p:cNvSpPr>
+            <a:spLocks noGrp="1"/>
+          </p:cNvSpPr>
+          <p:nvPr>
+            <p:ph type="dt" sz="half" idx="10"/>
+          </p:nvPr>
+        </p:nvSpPr>
+        <p:spPr/>
+        <p:txBody>
+          <a:bodyPr/>
+          <a:lstStyle/>
+          <a:p>
+            <a:fld id="{72F604BE-3C14-4474-8EA7-105AB61DE1BD}" type="datetime1">
+              <a:rPr lang="de-DE" smtClean="0"/>
+              <a:t>13.10.2021</a:t>
+            </a:fld>
+            <a:endParaRPr lang="de-DE" dirty="0"/>
+          </a:p>
+        </p:txBody>
+      </p:sp>
+      <p:sp>
+        <p:nvSpPr>
+          <p:cNvPr id="5" name="Fußzeilenplatzhalter 4">
+            <a:extLst>
+              <a:ext uri="{FF2B5EF4-FFF2-40B4-BE49-F238E27FC236}">
+                <a16:creationId xmlns:a16="http://schemas.microsoft.com/office/drawing/2014/main" id="{F6590142-F7C8-4816-BA0F-F63B394887CE}"/>
+              </a:ext>
+            </a:extLst>
+          </p:cNvPr>
+          <p:cNvSpPr>
+            <a:spLocks noGrp="1"/>
+          </p:cNvSpPr>
+          <p:nvPr>
+            <p:ph type="ftr" sz="quarter" idx="11"/>
+          </p:nvPr>
+        </p:nvSpPr>
+        <p:spPr/>
+        <p:txBody>
+          <a:bodyPr/>
+          <a:lstStyle/>
+          <a:p>
+            <a:r>
+              <a:rPr lang="de-DE"/>
+              <a:t>Moritz Flüchter: Git - An Introduction</a:t>
+            </a:r>
+            <a:endParaRPr lang="de-DE" dirty="0"/>
+          </a:p>
+        </p:txBody>
+      </p:sp>
+      <p:sp>
+        <p:nvSpPr>
+          <p:cNvPr id="6" name="Foliennummernplatzhalter 5">
+            <a:extLst>
+              <a:ext uri="{FF2B5EF4-FFF2-40B4-BE49-F238E27FC236}">
+                <a16:creationId xmlns:a16="http://schemas.microsoft.com/office/drawing/2014/main" id="{7E703547-174F-44ED-AE14-A037549BC75F}"/>
               </a:ext>
             </a:extLst>
           </p:cNvPr>
@@ -7395,75 +6657,18 @@
           <a:p>
             <a:fld id="{489ECDB1-2E24-4918-B7B1-E72EEFEDE6FE}" type="slidenum">
               <a:rPr lang="de-DE" smtClean="0"/>
-              <a:t>18</a:t>
+              <a:t>16</a:t>
             </a:fld>
             <a:endParaRPr lang="de-DE" dirty="0"/>
           </a:p>
         </p:txBody>
       </p:sp>
-      <p:sp>
-        <p:nvSpPr>
-          <p:cNvPr id="14" name="Datumsplatzhalter 13">
-            <a:extLst>
-              <a:ext uri="{FF2B5EF4-FFF2-40B4-BE49-F238E27FC236}">
-                <a16:creationId xmlns:a16="http://schemas.microsoft.com/office/drawing/2014/main" id="{9BA86EBE-D72A-45BF-8851-5DEED94B438F}"/>
-              </a:ext>
-            </a:extLst>
-          </p:cNvPr>
-          <p:cNvSpPr>
-            <a:spLocks noGrp="1"/>
-          </p:cNvSpPr>
-          <p:nvPr>
-            <p:ph type="dt" sz="half" idx="10"/>
-          </p:nvPr>
-        </p:nvSpPr>
-        <p:spPr/>
-        <p:txBody>
-          <a:bodyPr/>
-          <a:lstStyle/>
-          <a:p>
-            <a:fld id="{00E6FA39-AEDB-4A55-A265-855AD6460162}" type="datetime1">
-              <a:rPr lang="de-DE" smtClean="0"/>
-              <a:t>11.10.2021</a:t>
-            </a:fld>
-            <a:endParaRPr lang="de-DE" dirty="0"/>
-          </a:p>
-        </p:txBody>
-      </p:sp>
-      <p:sp>
-        <p:nvSpPr>
-          <p:cNvPr id="15" name="Fußzeilenplatzhalter 14">
-            <a:extLst>
-              <a:ext uri="{FF2B5EF4-FFF2-40B4-BE49-F238E27FC236}">
-                <a16:creationId xmlns:a16="http://schemas.microsoft.com/office/drawing/2014/main" id="{6C5062E2-AC97-453B-8631-6BF73FD60440}"/>
-              </a:ext>
-            </a:extLst>
-          </p:cNvPr>
-          <p:cNvSpPr>
-            <a:spLocks noGrp="1"/>
-          </p:cNvSpPr>
-          <p:nvPr>
-            <p:ph type="ftr" sz="quarter" idx="11"/>
-          </p:nvPr>
-        </p:nvSpPr>
-        <p:spPr/>
-        <p:txBody>
-          <a:bodyPr/>
-          <a:lstStyle/>
-          <a:p>
-            <a:r>
-              <a:rPr lang="de-DE"/>
-              <a:t>Moritz Flüchter: TSN Inter-Domain Communication</a:t>
-            </a:r>
-          </a:p>
-        </p:txBody>
-      </p:sp>
       <p:pic>
         <p:nvPicPr>
-          <p:cNvPr id="5" name="Grafik 4">
+          <p:cNvPr id="10" name="Grafik 9">
             <a:extLst>
               <a:ext uri="{FF2B5EF4-FFF2-40B4-BE49-F238E27FC236}">
-                <a16:creationId xmlns:a16="http://schemas.microsoft.com/office/drawing/2014/main" id="{DE43F6BF-A285-4AB4-8B6A-7E1CF7488A5F}"/>
+                <a16:creationId xmlns:a16="http://schemas.microsoft.com/office/drawing/2014/main" id="{6A32D5CC-9981-4DAC-A689-E046535D9011}"/>
               </a:ext>
             </a:extLst>
           </p:cNvPr>
@@ -7473,21 +6678,20 @@
           <p:nvPr/>
         </p:nvPicPr>
         <p:blipFill>
-          <a:blip r:embed="rId2">
+          <a:blip r:embed="rId3">
             <a:extLst>
               <a:ext uri="{28A0092B-C50C-407E-A947-70E740481C1C}">
                 <a14:useLocalDpi xmlns:a14="http://schemas.microsoft.com/office/drawing/2010/main" val="0"/>
               </a:ext>
             </a:extLst>
           </a:blip>
-          <a:stretch>
-            <a:fillRect/>
-          </a:stretch>
+          <a:srcRect/>
+          <a:stretch/>
         </p:blipFill>
         <p:spPr>
           <a:xfrm>
-            <a:off x="1944572" y="1838005"/>
-            <a:ext cx="8050306" cy="3307082"/>
+            <a:off x="5330257" y="1485218"/>
+            <a:ext cx="5640677" cy="4289617"/>
           </a:xfrm>
           <a:prstGeom prst="rect">
             <a:avLst/>
@@ -7496,10 +6700,10 @@
       </p:pic>
       <p:sp>
         <p:nvSpPr>
-          <p:cNvPr id="13" name="Inhaltsplatzhalter 2">
+          <p:cNvPr id="11" name="Inhaltsplatzhalter 2">
             <a:extLst>
               <a:ext uri="{FF2B5EF4-FFF2-40B4-BE49-F238E27FC236}">
-                <a16:creationId xmlns:a16="http://schemas.microsoft.com/office/drawing/2014/main" id="{68536D5B-4B83-4742-B717-91B448344A9B}"/>
+                <a16:creationId xmlns:a16="http://schemas.microsoft.com/office/drawing/2014/main" id="{2263E7C1-C6A7-4F3E-BCA0-8FD5C72D7BD0}"/>
               </a:ext>
             </a:extLst>
           </p:cNvPr>
@@ -7512,15 +6716,19 @@
         </p:nvSpPr>
         <p:spPr>
           <a:xfrm>
-            <a:off x="1097280" y="5132811"/>
-            <a:ext cx="8584602" cy="1010223"/>
+            <a:off x="1097280" y="1417320"/>
+            <a:ext cx="5455843" cy="4023360"/>
           </a:xfrm>
         </p:spPr>
         <p:txBody>
-          <a:bodyPr>
-            <a:normAutofit/>
-          </a:bodyPr>
-          <a:lstStyle/>
+          <a:bodyPr/>
+          <a:lstStyle/>
+          <a:p>
+            <a:pPr marL="0" indent="0">
+              <a:buNone/>
+            </a:pPr>
+            <a:endParaRPr lang="de-DE" b="1" dirty="0"/>
+          </a:p>
           <a:p>
             <a:pPr>
               <a:buFont typeface="Arial" panose="020B0604020202020204" pitchFamily="34" charset="0"/>
@@ -7528,15 +6736,1127 @@
             </a:pPr>
             <a:r>
               <a:rPr lang="de-DE" dirty="0"/>
-              <a:t>TEXT</a:t>
-            </a:r>
+              <a:t> Website </a:t>
+            </a:r>
+            <a:r>
+              <a:rPr lang="de-DE" dirty="0" err="1"/>
+              <a:t>that</a:t>
+            </a:r>
+            <a:r>
+              <a:rPr lang="de-DE" dirty="0"/>
+              <a:t> </a:t>
+            </a:r>
+            <a:r>
+              <a:rPr lang="de-DE" dirty="0" err="1"/>
+              <a:t>stores</a:t>
+            </a:r>
+            <a:r>
+              <a:rPr lang="de-DE" dirty="0"/>
+              <a:t> code + </a:t>
+            </a:r>
+            <a:r>
+              <a:rPr lang="de-DE" b="1" u="sng" dirty="0" err="1"/>
+              <a:t>changes</a:t>
+            </a:r>
+            <a:endParaRPr lang="de-DE" b="1" u="sng" dirty="0"/>
+          </a:p>
+          <a:p>
+            <a:pPr>
+              <a:buFont typeface="Arial" panose="020B0604020202020204" pitchFamily="34" charset="0"/>
+              <a:buChar char="•"/>
+            </a:pPr>
+            <a:r>
+              <a:rPr lang="de-DE" dirty="0"/>
+              <a:t> </a:t>
+            </a:r>
+            <a:r>
+              <a:rPr lang="de-DE" dirty="0" err="1"/>
+              <a:t>Centralized</a:t>
+            </a:r>
+            <a:r>
+              <a:rPr lang="de-DE" dirty="0"/>
+              <a:t> </a:t>
+            </a:r>
+            <a:r>
+              <a:rPr lang="de-DE" dirty="0" err="1"/>
+              <a:t>access</a:t>
+            </a:r>
+            <a:r>
+              <a:rPr lang="de-DE" dirty="0"/>
+              <a:t> </a:t>
+            </a:r>
+            <a:r>
+              <a:rPr lang="de-DE" dirty="0" err="1"/>
+              <a:t>for</a:t>
+            </a:r>
+            <a:r>
+              <a:rPr lang="de-DE" dirty="0"/>
+              <a:t> all</a:t>
+            </a:r>
+          </a:p>
+          <a:p>
+            <a:pPr>
+              <a:buFont typeface="Arial" panose="020B0604020202020204" pitchFamily="34" charset="0"/>
+              <a:buChar char="•"/>
+            </a:pPr>
+            <a:r>
+              <a:rPr lang="de-DE" dirty="0"/>
+              <a:t> </a:t>
+            </a:r>
+            <a:r>
+              <a:rPr lang="de-DE" dirty="0" err="1"/>
+              <a:t>Prevents</a:t>
+            </a:r>
+            <a:r>
+              <a:rPr lang="de-DE" dirty="0"/>
+              <a:t> </a:t>
+            </a:r>
+            <a:r>
+              <a:rPr lang="de-DE" dirty="0" err="1"/>
+              <a:t>loss</a:t>
+            </a:r>
+            <a:r>
+              <a:rPr lang="de-DE" dirty="0"/>
+              <a:t> </a:t>
+            </a:r>
+            <a:r>
+              <a:rPr lang="de-DE" dirty="0" err="1"/>
+              <a:t>of</a:t>
+            </a:r>
+            <a:r>
+              <a:rPr lang="de-DE" dirty="0"/>
+              <a:t> code in </a:t>
+            </a:r>
+            <a:r>
+              <a:rPr lang="de-DE" dirty="0" err="1"/>
+              <a:t>case</a:t>
+            </a:r>
+            <a:r>
+              <a:rPr lang="de-DE" dirty="0"/>
+              <a:t> </a:t>
+            </a:r>
+            <a:r>
+              <a:rPr lang="de-DE" dirty="0" err="1"/>
+              <a:t>of</a:t>
+            </a:r>
+            <a:r>
+              <a:rPr lang="de-DE" dirty="0"/>
+              <a:t> </a:t>
+            </a:r>
+            <a:r>
+              <a:rPr lang="de-DE" dirty="0" err="1"/>
+              <a:t>device</a:t>
+            </a:r>
+            <a:r>
+              <a:rPr lang="de-DE" dirty="0"/>
+              <a:t> </a:t>
+            </a:r>
+            <a:r>
+              <a:rPr lang="de-DE" dirty="0" err="1"/>
+              <a:t>failure</a:t>
+            </a:r>
+            <a:endParaRPr lang="de-DE" dirty="0"/>
+          </a:p>
+          <a:p>
+            <a:pPr>
+              <a:buFont typeface="Arial" panose="020B0604020202020204" pitchFamily="34" charset="0"/>
+              <a:buChar char="•"/>
+            </a:pPr>
+            <a:endParaRPr lang="de-DE" dirty="0"/>
+          </a:p>
+          <a:p>
+            <a:pPr marL="0" indent="0">
+              <a:buNone/>
+            </a:pPr>
+            <a:endParaRPr lang="de-DE" dirty="0"/>
+          </a:p>
+          <a:p>
+            <a:pPr marL="0" indent="0">
+              <a:buNone/>
+            </a:pPr>
+            <a:endParaRPr lang="de-DE" dirty="0"/>
+          </a:p>
+        </p:txBody>
+      </p:sp>
+      <p:sp>
+        <p:nvSpPr>
+          <p:cNvPr id="17" name="Textplatzhalter 2">
+            <a:extLst>
+              <a:ext uri="{FF2B5EF4-FFF2-40B4-BE49-F238E27FC236}">
+                <a16:creationId xmlns:a16="http://schemas.microsoft.com/office/drawing/2014/main" id="{D2214A42-DE25-4085-B05E-D57F88A5F354}"/>
+              </a:ext>
+            </a:extLst>
+          </p:cNvPr>
+          <p:cNvSpPr txBox="1">
+            <a:spLocks/>
+          </p:cNvSpPr>
+          <p:nvPr/>
+        </p:nvSpPr>
+        <p:spPr>
+          <a:xfrm>
+            <a:off x="1008639" y="1293840"/>
+            <a:ext cx="4937760" cy="736282"/>
+          </a:xfrm>
+          <a:prstGeom prst="rect">
+            <a:avLst/>
+          </a:prstGeom>
+        </p:spPr>
+        <p:txBody>
+          <a:bodyPr vert="horz" lIns="0" tIns="45720" rIns="0" bIns="45720" rtlCol="0">
+            <a:normAutofit/>
+          </a:bodyPr>
+          <a:lstStyle>
+            <a:lvl1pPr marL="91440" indent="-91440" algn="l" defTabSz="914400" rtl="0" eaLnBrk="1" latinLnBrk="0" hangingPunct="1">
+              <a:lnSpc>
+                <a:spcPct val="90000"/>
+              </a:lnSpc>
+              <a:spcBef>
+                <a:spcPts val="1200"/>
+              </a:spcBef>
+              <a:spcAft>
+                <a:spcPts val="200"/>
+              </a:spcAft>
+              <a:buClr>
+                <a:schemeClr val="accent1"/>
+              </a:buClr>
+              <a:buSzPct val="100000"/>
+              <a:buFont typeface="Calibri" panose="020F0502020204030204" pitchFamily="34" charset="0"/>
+              <a:buChar char=" "/>
+              <a:defRPr sz="2000" kern="1200">
+                <a:solidFill>
+                  <a:schemeClr val="tx1">
+                    <a:lumMod val="75000"/>
+                    <a:lumOff val="25000"/>
+                  </a:schemeClr>
+                </a:solidFill>
+                <a:latin typeface="Arial" panose="020B0604020202020204" pitchFamily="34" charset="0"/>
+                <a:ea typeface="+mn-ea"/>
+                <a:cs typeface="Arial" panose="020B0604020202020204" pitchFamily="34" charset="0"/>
+              </a:defRPr>
+            </a:lvl1pPr>
+            <a:lvl2pPr marL="384048" indent="-182880" algn="l" defTabSz="914400" rtl="0" eaLnBrk="1" latinLnBrk="0" hangingPunct="1">
+              <a:lnSpc>
+                <a:spcPct val="90000"/>
+              </a:lnSpc>
+              <a:spcBef>
+                <a:spcPts val="200"/>
+              </a:spcBef>
+              <a:spcAft>
+                <a:spcPts val="400"/>
+              </a:spcAft>
+              <a:buClr>
+                <a:schemeClr val="accent1"/>
+              </a:buClr>
+              <a:buFont typeface="Calibri" pitchFamily="34" charset="0"/>
+              <a:buChar char="◦"/>
+              <a:defRPr sz="1800" kern="1200">
+                <a:solidFill>
+                  <a:schemeClr val="tx1">
+                    <a:lumMod val="75000"/>
+                    <a:lumOff val="25000"/>
+                  </a:schemeClr>
+                </a:solidFill>
+                <a:latin typeface="Arial" panose="020B0604020202020204" pitchFamily="34" charset="0"/>
+                <a:ea typeface="+mn-ea"/>
+                <a:cs typeface="Arial" panose="020B0604020202020204" pitchFamily="34" charset="0"/>
+              </a:defRPr>
+            </a:lvl2pPr>
+            <a:lvl3pPr marL="566928" indent="-182880" algn="l" defTabSz="914400" rtl="0" eaLnBrk="1" latinLnBrk="0" hangingPunct="1">
+              <a:lnSpc>
+                <a:spcPct val="90000"/>
+              </a:lnSpc>
+              <a:spcBef>
+                <a:spcPts val="200"/>
+              </a:spcBef>
+              <a:spcAft>
+                <a:spcPts val="400"/>
+              </a:spcAft>
+              <a:buClr>
+                <a:schemeClr val="accent1"/>
+              </a:buClr>
+              <a:buFont typeface="Calibri" pitchFamily="34" charset="0"/>
+              <a:buChar char="◦"/>
+              <a:defRPr sz="1400" kern="1200">
+                <a:solidFill>
+                  <a:schemeClr val="tx1">
+                    <a:lumMod val="75000"/>
+                    <a:lumOff val="25000"/>
+                  </a:schemeClr>
+                </a:solidFill>
+                <a:latin typeface="Arial" panose="020B0604020202020204" pitchFamily="34" charset="0"/>
+                <a:ea typeface="+mn-ea"/>
+                <a:cs typeface="Arial" panose="020B0604020202020204" pitchFamily="34" charset="0"/>
+              </a:defRPr>
+            </a:lvl3pPr>
+            <a:lvl4pPr marL="749808" indent="-182880" algn="l" defTabSz="914400" rtl="0" eaLnBrk="1" latinLnBrk="0" hangingPunct="1">
+              <a:lnSpc>
+                <a:spcPct val="90000"/>
+              </a:lnSpc>
+              <a:spcBef>
+                <a:spcPts val="200"/>
+              </a:spcBef>
+              <a:spcAft>
+                <a:spcPts val="400"/>
+              </a:spcAft>
+              <a:buClr>
+                <a:schemeClr val="accent1"/>
+              </a:buClr>
+              <a:buFont typeface="Calibri" pitchFamily="34" charset="0"/>
+              <a:buChar char="◦"/>
+              <a:defRPr sz="1400" kern="1200">
+                <a:solidFill>
+                  <a:schemeClr val="tx1">
+                    <a:lumMod val="75000"/>
+                    <a:lumOff val="25000"/>
+                  </a:schemeClr>
+                </a:solidFill>
+                <a:latin typeface="Arial" panose="020B0604020202020204" pitchFamily="34" charset="0"/>
+                <a:ea typeface="+mn-ea"/>
+                <a:cs typeface="Arial" panose="020B0604020202020204" pitchFamily="34" charset="0"/>
+              </a:defRPr>
+            </a:lvl4pPr>
+            <a:lvl5pPr marL="932688" indent="-182880" algn="l" defTabSz="914400" rtl="0" eaLnBrk="1" latinLnBrk="0" hangingPunct="1">
+              <a:lnSpc>
+                <a:spcPct val="90000"/>
+              </a:lnSpc>
+              <a:spcBef>
+                <a:spcPts val="200"/>
+              </a:spcBef>
+              <a:spcAft>
+                <a:spcPts val="400"/>
+              </a:spcAft>
+              <a:buClr>
+                <a:schemeClr val="accent1"/>
+              </a:buClr>
+              <a:buFont typeface="Calibri" pitchFamily="34" charset="0"/>
+              <a:buChar char="◦"/>
+              <a:defRPr sz="1400" kern="1200">
+                <a:solidFill>
+                  <a:schemeClr val="tx1">
+                    <a:lumMod val="75000"/>
+                    <a:lumOff val="25000"/>
+                  </a:schemeClr>
+                </a:solidFill>
+                <a:latin typeface="Arial" panose="020B0604020202020204" pitchFamily="34" charset="0"/>
+                <a:ea typeface="+mn-ea"/>
+                <a:cs typeface="Arial" panose="020B0604020202020204" pitchFamily="34" charset="0"/>
+              </a:defRPr>
+            </a:lvl5pPr>
+            <a:lvl6pPr marL="1100000" indent="-228600" algn="l" defTabSz="914400" rtl="0" eaLnBrk="1" latinLnBrk="0" hangingPunct="1">
+              <a:lnSpc>
+                <a:spcPct val="90000"/>
+              </a:lnSpc>
+              <a:spcBef>
+                <a:spcPts val="200"/>
+              </a:spcBef>
+              <a:spcAft>
+                <a:spcPts val="400"/>
+              </a:spcAft>
+              <a:buClr>
+                <a:schemeClr val="accent1"/>
+              </a:buClr>
+              <a:buFont typeface="Calibri" pitchFamily="34" charset="0"/>
+              <a:buChar char="◦"/>
+              <a:defRPr sz="1400" kern="1200">
+                <a:solidFill>
+                  <a:schemeClr val="tx1">
+                    <a:lumMod val="75000"/>
+                    <a:lumOff val="25000"/>
+                  </a:schemeClr>
+                </a:solidFill>
+                <a:latin typeface="+mn-lt"/>
+                <a:ea typeface="+mn-ea"/>
+                <a:cs typeface="+mn-cs"/>
+              </a:defRPr>
+            </a:lvl6pPr>
+            <a:lvl7pPr marL="1300000" indent="-228600" algn="l" defTabSz="914400" rtl="0" eaLnBrk="1" latinLnBrk="0" hangingPunct="1">
+              <a:lnSpc>
+                <a:spcPct val="90000"/>
+              </a:lnSpc>
+              <a:spcBef>
+                <a:spcPts val="200"/>
+              </a:spcBef>
+              <a:spcAft>
+                <a:spcPts val="400"/>
+              </a:spcAft>
+              <a:buClr>
+                <a:schemeClr val="accent1"/>
+              </a:buClr>
+              <a:buFont typeface="Calibri" pitchFamily="34" charset="0"/>
+              <a:buChar char="◦"/>
+              <a:defRPr sz="1400" kern="1200">
+                <a:solidFill>
+                  <a:schemeClr val="tx1">
+                    <a:lumMod val="75000"/>
+                    <a:lumOff val="25000"/>
+                  </a:schemeClr>
+                </a:solidFill>
+                <a:latin typeface="+mn-lt"/>
+                <a:ea typeface="+mn-ea"/>
+                <a:cs typeface="+mn-cs"/>
+              </a:defRPr>
+            </a:lvl7pPr>
+            <a:lvl8pPr marL="1500000" indent="-228600" algn="l" defTabSz="914400" rtl="0" eaLnBrk="1" latinLnBrk="0" hangingPunct="1">
+              <a:lnSpc>
+                <a:spcPct val="90000"/>
+              </a:lnSpc>
+              <a:spcBef>
+                <a:spcPts val="200"/>
+              </a:spcBef>
+              <a:spcAft>
+                <a:spcPts val="400"/>
+              </a:spcAft>
+              <a:buClr>
+                <a:schemeClr val="accent1"/>
+              </a:buClr>
+              <a:buFont typeface="Calibri" pitchFamily="34" charset="0"/>
+              <a:buChar char="◦"/>
+              <a:defRPr sz="1400" kern="1200">
+                <a:solidFill>
+                  <a:schemeClr val="tx1">
+                    <a:lumMod val="75000"/>
+                    <a:lumOff val="25000"/>
+                  </a:schemeClr>
+                </a:solidFill>
+                <a:latin typeface="+mn-lt"/>
+                <a:ea typeface="+mn-ea"/>
+                <a:cs typeface="+mn-cs"/>
+              </a:defRPr>
+            </a:lvl8pPr>
+            <a:lvl9pPr marL="1700000" indent="-228600" algn="l" defTabSz="914400" rtl="0" eaLnBrk="1" latinLnBrk="0" hangingPunct="1">
+              <a:lnSpc>
+                <a:spcPct val="90000"/>
+              </a:lnSpc>
+              <a:spcBef>
+                <a:spcPts val="200"/>
+              </a:spcBef>
+              <a:spcAft>
+                <a:spcPts val="400"/>
+              </a:spcAft>
+              <a:buClr>
+                <a:schemeClr val="accent1"/>
+              </a:buClr>
+              <a:buFont typeface="Calibri" pitchFamily="34" charset="0"/>
+              <a:buChar char="◦"/>
+              <a:defRPr sz="1400" kern="1200">
+                <a:solidFill>
+                  <a:schemeClr val="tx1">
+                    <a:lumMod val="75000"/>
+                    <a:lumOff val="25000"/>
+                  </a:schemeClr>
+                </a:solidFill>
+                <a:latin typeface="+mn-lt"/>
+                <a:ea typeface="+mn-ea"/>
+                <a:cs typeface="+mn-cs"/>
+              </a:defRPr>
+            </a:lvl9pPr>
+          </a:lstStyle>
+          <a:p>
+            <a:r>
+              <a:rPr lang="de-DE" dirty="0">
+                <a:solidFill>
+                  <a:schemeClr val="bg1">
+                    <a:lumMod val="50000"/>
+                  </a:schemeClr>
+                </a:solidFill>
+              </a:rPr>
+              <a:t>GITHUB</a:t>
+            </a:r>
+          </a:p>
+        </p:txBody>
+      </p:sp>
+      <p:sp>
+        <p:nvSpPr>
+          <p:cNvPr id="3" name="Pfeil: nach unten 2">
+            <a:extLst>
+              <a:ext uri="{FF2B5EF4-FFF2-40B4-BE49-F238E27FC236}">
+                <a16:creationId xmlns:a16="http://schemas.microsoft.com/office/drawing/2014/main" id="{A086C886-C648-4979-9E87-47B57128CF7A}"/>
+              </a:ext>
+            </a:extLst>
+          </p:cNvPr>
+          <p:cNvSpPr/>
+          <p:nvPr/>
+        </p:nvSpPr>
+        <p:spPr>
+          <a:xfrm rot="5400000">
+            <a:off x="9649501" y="2622757"/>
+            <a:ext cx="388307" cy="572538"/>
+          </a:xfrm>
+          <a:prstGeom prst="downArrow">
+            <a:avLst/>
+          </a:prstGeom>
+          <a:solidFill>
+            <a:srgbClr val="FF0000"/>
+          </a:solidFill>
+          <a:ln>
+            <a:solidFill>
+              <a:srgbClr val="FF0000"/>
+            </a:solidFill>
+          </a:ln>
+        </p:spPr>
+        <p:style>
+          <a:lnRef idx="2">
+            <a:schemeClr val="accent1">
+              <a:shade val="50000"/>
+            </a:schemeClr>
+          </a:lnRef>
+          <a:fillRef idx="1">
+            <a:schemeClr val="accent1"/>
+          </a:fillRef>
+          <a:effectRef idx="0">
+            <a:schemeClr val="accent1"/>
+          </a:effectRef>
+          <a:fontRef idx="minor">
+            <a:schemeClr val="lt1"/>
+          </a:fontRef>
+        </p:style>
+        <p:txBody>
+          <a:bodyPr rtlCol="0" anchor="ctr"/>
+          <a:lstStyle/>
+          <a:p>
+            <a:pPr algn="ctr"/>
+            <a:endParaRPr lang="en-GB"/>
           </a:p>
         </p:txBody>
       </p:sp>
     </p:spTree>
     <p:extLst>
       <p:ext uri="{BB962C8B-B14F-4D97-AF65-F5344CB8AC3E}">
-        <p14:creationId xmlns:p14="http://schemas.microsoft.com/office/powerpoint/2010/main" val="755861107"/>
+        <p14:creationId xmlns:p14="http://schemas.microsoft.com/office/powerpoint/2010/main" val="3208611115"/>
+      </p:ext>
+    </p:extLst>
+  </p:cSld>
+  <p:clrMapOvr>
+    <a:masterClrMapping/>
+  </p:clrMapOvr>
+</p:sld>
+</file>
+
+<file path=ppt/slides/slide17.xml><?xml version="1.0" encoding="utf-8"?>
+<p:sld xmlns:a="http://schemas.openxmlformats.org/drawingml/2006/main" xmlns:r="http://schemas.openxmlformats.org/officeDocument/2006/relationships" xmlns:p="http://schemas.openxmlformats.org/presentationml/2006/main">
+  <p:cSld>
+    <p:spTree>
+      <p:nvGrpSpPr>
+        <p:cNvPr id="1" name=""/>
+        <p:cNvGrpSpPr/>
+        <p:nvPr/>
+      </p:nvGrpSpPr>
+      <p:grpSpPr>
+        <a:xfrm>
+          <a:off x="0" y="0"/>
+          <a:ext cx="0" cy="0"/>
+          <a:chOff x="0" y="0"/>
+          <a:chExt cx="0" cy="0"/>
+        </a:xfrm>
+      </p:grpSpPr>
+      <p:sp>
+        <p:nvSpPr>
+          <p:cNvPr id="2" name="Titel 1">
+            <a:extLst>
+              <a:ext uri="{FF2B5EF4-FFF2-40B4-BE49-F238E27FC236}">
+                <a16:creationId xmlns:a16="http://schemas.microsoft.com/office/drawing/2014/main" id="{F6E41F0A-2E2D-4FC5-9F43-4600FAEFA395}"/>
+              </a:ext>
+            </a:extLst>
+          </p:cNvPr>
+          <p:cNvSpPr>
+            <a:spLocks noGrp="1"/>
+          </p:cNvSpPr>
+          <p:nvPr>
+            <p:ph type="title"/>
+          </p:nvPr>
+        </p:nvSpPr>
+        <p:spPr/>
+        <p:txBody>
+          <a:bodyPr/>
+          <a:lstStyle/>
+          <a:p>
+            <a:r>
+              <a:rPr lang="de-DE" dirty="0" err="1"/>
+              <a:t>Why</a:t>
+            </a:r>
+            <a:r>
+              <a:rPr lang="de-DE" dirty="0"/>
+              <a:t> </a:t>
+            </a:r>
+            <a:r>
+              <a:rPr lang="de-DE" dirty="0" err="1"/>
+              <a:t>should</a:t>
+            </a:r>
+            <a:r>
+              <a:rPr lang="de-DE" dirty="0"/>
+              <a:t> </a:t>
+            </a:r>
+            <a:r>
+              <a:rPr lang="de-DE" dirty="0" err="1"/>
+              <a:t>you</a:t>
+            </a:r>
+            <a:r>
+              <a:rPr lang="de-DE" dirty="0"/>
+              <a:t> </a:t>
+            </a:r>
+            <a:r>
+              <a:rPr lang="de-DE" dirty="0" err="1"/>
+              <a:t>use</a:t>
+            </a:r>
+            <a:r>
+              <a:rPr lang="de-DE" dirty="0"/>
+              <a:t> </a:t>
+            </a:r>
+            <a:r>
+              <a:rPr lang="de-DE" dirty="0" err="1"/>
+              <a:t>Git</a:t>
+            </a:r>
+            <a:r>
+              <a:rPr lang="de-DE" dirty="0"/>
+              <a:t>? - Summary</a:t>
+            </a:r>
+          </a:p>
+        </p:txBody>
+      </p:sp>
+      <p:sp>
+        <p:nvSpPr>
+          <p:cNvPr id="4" name="Datumsplatzhalter 3">
+            <a:extLst>
+              <a:ext uri="{FF2B5EF4-FFF2-40B4-BE49-F238E27FC236}">
+                <a16:creationId xmlns:a16="http://schemas.microsoft.com/office/drawing/2014/main" id="{C463F406-173E-488D-A788-00333B5AE97E}"/>
+              </a:ext>
+            </a:extLst>
+          </p:cNvPr>
+          <p:cNvSpPr>
+            <a:spLocks noGrp="1"/>
+          </p:cNvSpPr>
+          <p:nvPr>
+            <p:ph type="dt" sz="half" idx="10"/>
+          </p:nvPr>
+        </p:nvSpPr>
+        <p:spPr/>
+        <p:txBody>
+          <a:bodyPr/>
+          <a:lstStyle/>
+          <a:p>
+            <a:fld id="{0317BC67-C195-4AC5-B2A1-10320671CA82}" type="datetime1">
+              <a:rPr lang="de-DE" smtClean="0"/>
+              <a:t>13.10.2021</a:t>
+            </a:fld>
+            <a:endParaRPr lang="de-DE" dirty="0"/>
+          </a:p>
+        </p:txBody>
+      </p:sp>
+      <p:sp>
+        <p:nvSpPr>
+          <p:cNvPr id="5" name="Fußzeilenplatzhalter 4">
+            <a:extLst>
+              <a:ext uri="{FF2B5EF4-FFF2-40B4-BE49-F238E27FC236}">
+                <a16:creationId xmlns:a16="http://schemas.microsoft.com/office/drawing/2014/main" id="{F6590142-F7C8-4816-BA0F-F63B394887CE}"/>
+              </a:ext>
+            </a:extLst>
+          </p:cNvPr>
+          <p:cNvSpPr>
+            <a:spLocks noGrp="1"/>
+          </p:cNvSpPr>
+          <p:nvPr>
+            <p:ph type="ftr" sz="quarter" idx="11"/>
+          </p:nvPr>
+        </p:nvSpPr>
+        <p:spPr/>
+        <p:txBody>
+          <a:bodyPr/>
+          <a:lstStyle/>
+          <a:p>
+            <a:r>
+              <a:rPr lang="de-DE"/>
+              <a:t>Moritz Flüchter: Git - An Introduction</a:t>
+            </a:r>
+            <a:endParaRPr lang="de-DE" dirty="0"/>
+          </a:p>
+        </p:txBody>
+      </p:sp>
+      <p:sp>
+        <p:nvSpPr>
+          <p:cNvPr id="6" name="Foliennummernplatzhalter 5">
+            <a:extLst>
+              <a:ext uri="{FF2B5EF4-FFF2-40B4-BE49-F238E27FC236}">
+                <a16:creationId xmlns:a16="http://schemas.microsoft.com/office/drawing/2014/main" id="{7E703547-174F-44ED-AE14-A037549BC75F}"/>
+              </a:ext>
+            </a:extLst>
+          </p:cNvPr>
+          <p:cNvSpPr>
+            <a:spLocks noGrp="1"/>
+          </p:cNvSpPr>
+          <p:nvPr>
+            <p:ph type="sldNum" sz="quarter" idx="12"/>
+          </p:nvPr>
+        </p:nvSpPr>
+        <p:spPr/>
+        <p:txBody>
+          <a:bodyPr/>
+          <a:lstStyle/>
+          <a:p>
+            <a:fld id="{489ECDB1-2E24-4918-B7B1-E72EEFEDE6FE}" type="slidenum">
+              <a:rPr lang="de-DE" smtClean="0"/>
+              <a:t>17</a:t>
+            </a:fld>
+            <a:endParaRPr lang="de-DE" dirty="0"/>
+          </a:p>
+        </p:txBody>
+      </p:sp>
+      <p:sp>
+        <p:nvSpPr>
+          <p:cNvPr id="11" name="Inhaltsplatzhalter 2">
+            <a:extLst>
+              <a:ext uri="{FF2B5EF4-FFF2-40B4-BE49-F238E27FC236}">
+                <a16:creationId xmlns:a16="http://schemas.microsoft.com/office/drawing/2014/main" id="{2263E7C1-C6A7-4F3E-BCA0-8FD5C72D7BD0}"/>
+              </a:ext>
+            </a:extLst>
+          </p:cNvPr>
+          <p:cNvSpPr>
+            <a:spLocks noGrp="1"/>
+          </p:cNvSpPr>
+          <p:nvPr>
+            <p:ph idx="1"/>
+          </p:nvPr>
+        </p:nvSpPr>
+        <p:spPr>
+          <a:xfrm>
+            <a:off x="1003974" y="2257921"/>
+            <a:ext cx="9966960" cy="4023360"/>
+          </a:xfrm>
+        </p:spPr>
+        <p:txBody>
+          <a:bodyPr/>
+          <a:lstStyle/>
+          <a:p>
+            <a:pPr marL="0" indent="0">
+              <a:buNone/>
+            </a:pPr>
+            <a:endParaRPr lang="de-DE" b="1" dirty="0"/>
+          </a:p>
+          <a:p>
+            <a:pPr marL="0" indent="0">
+              <a:buNone/>
+            </a:pPr>
+            <a:r>
+              <a:rPr lang="de-DE" sz="4400" b="1" dirty="0" err="1"/>
+              <a:t>Git</a:t>
+            </a:r>
+            <a:r>
+              <a:rPr lang="de-DE" sz="4400" b="1" dirty="0"/>
+              <a:t> </a:t>
+            </a:r>
+            <a:r>
+              <a:rPr lang="de-DE" sz="4400" b="1" dirty="0" err="1"/>
+              <a:t>is</a:t>
+            </a:r>
+            <a:r>
+              <a:rPr lang="de-DE" sz="4400" b="1" dirty="0"/>
+              <a:t> </a:t>
+            </a:r>
+            <a:r>
+              <a:rPr lang="de-DE" sz="4400" b="1" dirty="0" err="1"/>
+              <a:t>one</a:t>
+            </a:r>
+            <a:r>
+              <a:rPr lang="de-DE" sz="4400" b="1" dirty="0"/>
+              <a:t> </a:t>
+            </a:r>
+            <a:r>
+              <a:rPr lang="de-DE" sz="4400" b="1" dirty="0" err="1"/>
+              <a:t>of</a:t>
+            </a:r>
+            <a:r>
+              <a:rPr lang="de-DE" sz="4400" b="1" dirty="0"/>
+              <a:t> </a:t>
+            </a:r>
+            <a:r>
+              <a:rPr lang="de-DE" sz="4400" b="1" dirty="0" err="1"/>
+              <a:t>the</a:t>
+            </a:r>
+            <a:r>
+              <a:rPr lang="de-DE" sz="4400" b="1" dirty="0"/>
+              <a:t> </a:t>
+            </a:r>
+            <a:r>
+              <a:rPr lang="de-DE" sz="4400" b="1" dirty="0" err="1"/>
+              <a:t>most</a:t>
+            </a:r>
+            <a:r>
+              <a:rPr lang="de-DE" sz="4400" b="1" dirty="0"/>
+              <a:t> </a:t>
+            </a:r>
+            <a:r>
+              <a:rPr lang="de-DE" sz="4400" b="1" dirty="0" err="1"/>
+              <a:t>important</a:t>
+            </a:r>
+            <a:r>
+              <a:rPr lang="de-DE" sz="4400" b="1" dirty="0"/>
+              <a:t> </a:t>
+            </a:r>
+            <a:r>
+              <a:rPr lang="de-DE" sz="4400" b="1" dirty="0" err="1"/>
+              <a:t>tools</a:t>
+            </a:r>
+            <a:r>
+              <a:rPr lang="de-DE" sz="4400" b="1" dirty="0"/>
+              <a:t> </a:t>
+            </a:r>
+            <a:r>
+              <a:rPr lang="de-DE" sz="4400" b="1" dirty="0" err="1"/>
+              <a:t>for</a:t>
+            </a:r>
+            <a:r>
+              <a:rPr lang="de-DE" sz="4400" b="1" dirty="0"/>
+              <a:t> </a:t>
+            </a:r>
+            <a:r>
+              <a:rPr lang="de-DE" sz="4400" b="1" dirty="0" err="1"/>
+              <a:t>collaboration</a:t>
+            </a:r>
+            <a:r>
+              <a:rPr lang="de-DE" sz="4400" b="1" dirty="0"/>
+              <a:t> and will save </a:t>
+            </a:r>
+            <a:r>
+              <a:rPr lang="de-DE" sz="4400" b="1" dirty="0" err="1"/>
+              <a:t>you</a:t>
+            </a:r>
+            <a:r>
+              <a:rPr lang="de-DE" sz="4400" b="1" dirty="0"/>
+              <a:t> a </a:t>
+            </a:r>
+            <a:r>
+              <a:rPr lang="de-DE" sz="4400" b="1" dirty="0" err="1"/>
+              <a:t>lot</a:t>
+            </a:r>
+            <a:r>
+              <a:rPr lang="de-DE" sz="4400" b="1" dirty="0"/>
+              <a:t> </a:t>
+            </a:r>
+            <a:r>
+              <a:rPr lang="de-DE" sz="4400" b="1" dirty="0" err="1"/>
+              <a:t>of</a:t>
+            </a:r>
+            <a:r>
+              <a:rPr lang="de-DE" sz="4400" b="1" dirty="0"/>
+              <a:t> time and </a:t>
+            </a:r>
+            <a:r>
+              <a:rPr lang="de-DE" sz="4400" b="1" dirty="0" err="1"/>
+              <a:t>headaches</a:t>
+            </a:r>
+            <a:r>
+              <a:rPr lang="de-DE" sz="4400" b="1" dirty="0"/>
+              <a:t>!</a:t>
+            </a:r>
+          </a:p>
+          <a:p>
+            <a:pPr>
+              <a:buFont typeface="Arial" panose="020B0604020202020204" pitchFamily="34" charset="0"/>
+              <a:buChar char="•"/>
+            </a:pPr>
+            <a:endParaRPr lang="de-DE" dirty="0"/>
+          </a:p>
+          <a:p>
+            <a:pPr marL="0" indent="0">
+              <a:buNone/>
+            </a:pPr>
+            <a:endParaRPr lang="de-DE" dirty="0"/>
+          </a:p>
+          <a:p>
+            <a:pPr marL="0" indent="0">
+              <a:buNone/>
+            </a:pPr>
+            <a:endParaRPr lang="de-DE" dirty="0"/>
+          </a:p>
+        </p:txBody>
+      </p:sp>
+      <p:sp>
+        <p:nvSpPr>
+          <p:cNvPr id="17" name="Textplatzhalter 2">
+            <a:extLst>
+              <a:ext uri="{FF2B5EF4-FFF2-40B4-BE49-F238E27FC236}">
+                <a16:creationId xmlns:a16="http://schemas.microsoft.com/office/drawing/2014/main" id="{D2214A42-DE25-4085-B05E-D57F88A5F354}"/>
+              </a:ext>
+            </a:extLst>
+          </p:cNvPr>
+          <p:cNvSpPr txBox="1">
+            <a:spLocks/>
+          </p:cNvSpPr>
+          <p:nvPr/>
+        </p:nvSpPr>
+        <p:spPr>
+          <a:xfrm>
+            <a:off x="1008639" y="1293840"/>
+            <a:ext cx="4937760" cy="736282"/>
+          </a:xfrm>
+          <a:prstGeom prst="rect">
+            <a:avLst/>
+          </a:prstGeom>
+        </p:spPr>
+        <p:txBody>
+          <a:bodyPr vert="horz" lIns="0" tIns="45720" rIns="0" bIns="45720" rtlCol="0">
+            <a:normAutofit/>
+          </a:bodyPr>
+          <a:lstStyle>
+            <a:lvl1pPr marL="91440" indent="-91440" algn="l" defTabSz="914400" rtl="0" eaLnBrk="1" latinLnBrk="0" hangingPunct="1">
+              <a:lnSpc>
+                <a:spcPct val="90000"/>
+              </a:lnSpc>
+              <a:spcBef>
+                <a:spcPts val="1200"/>
+              </a:spcBef>
+              <a:spcAft>
+                <a:spcPts val="200"/>
+              </a:spcAft>
+              <a:buClr>
+                <a:schemeClr val="accent1"/>
+              </a:buClr>
+              <a:buSzPct val="100000"/>
+              <a:buFont typeface="Calibri" panose="020F0502020204030204" pitchFamily="34" charset="0"/>
+              <a:buChar char=" "/>
+              <a:defRPr sz="2000" kern="1200">
+                <a:solidFill>
+                  <a:schemeClr val="tx1">
+                    <a:lumMod val="75000"/>
+                    <a:lumOff val="25000"/>
+                  </a:schemeClr>
+                </a:solidFill>
+                <a:latin typeface="Arial" panose="020B0604020202020204" pitchFamily="34" charset="0"/>
+                <a:ea typeface="+mn-ea"/>
+                <a:cs typeface="Arial" panose="020B0604020202020204" pitchFamily="34" charset="0"/>
+              </a:defRPr>
+            </a:lvl1pPr>
+            <a:lvl2pPr marL="384048" indent="-182880" algn="l" defTabSz="914400" rtl="0" eaLnBrk="1" latinLnBrk="0" hangingPunct="1">
+              <a:lnSpc>
+                <a:spcPct val="90000"/>
+              </a:lnSpc>
+              <a:spcBef>
+                <a:spcPts val="200"/>
+              </a:spcBef>
+              <a:spcAft>
+                <a:spcPts val="400"/>
+              </a:spcAft>
+              <a:buClr>
+                <a:schemeClr val="accent1"/>
+              </a:buClr>
+              <a:buFont typeface="Calibri" pitchFamily="34" charset="0"/>
+              <a:buChar char="◦"/>
+              <a:defRPr sz="1800" kern="1200">
+                <a:solidFill>
+                  <a:schemeClr val="tx1">
+                    <a:lumMod val="75000"/>
+                    <a:lumOff val="25000"/>
+                  </a:schemeClr>
+                </a:solidFill>
+                <a:latin typeface="Arial" panose="020B0604020202020204" pitchFamily="34" charset="0"/>
+                <a:ea typeface="+mn-ea"/>
+                <a:cs typeface="Arial" panose="020B0604020202020204" pitchFamily="34" charset="0"/>
+              </a:defRPr>
+            </a:lvl2pPr>
+            <a:lvl3pPr marL="566928" indent="-182880" algn="l" defTabSz="914400" rtl="0" eaLnBrk="1" latinLnBrk="0" hangingPunct="1">
+              <a:lnSpc>
+                <a:spcPct val="90000"/>
+              </a:lnSpc>
+              <a:spcBef>
+                <a:spcPts val="200"/>
+              </a:spcBef>
+              <a:spcAft>
+                <a:spcPts val="400"/>
+              </a:spcAft>
+              <a:buClr>
+                <a:schemeClr val="accent1"/>
+              </a:buClr>
+              <a:buFont typeface="Calibri" pitchFamily="34" charset="0"/>
+              <a:buChar char="◦"/>
+              <a:defRPr sz="1400" kern="1200">
+                <a:solidFill>
+                  <a:schemeClr val="tx1">
+                    <a:lumMod val="75000"/>
+                    <a:lumOff val="25000"/>
+                  </a:schemeClr>
+                </a:solidFill>
+                <a:latin typeface="Arial" panose="020B0604020202020204" pitchFamily="34" charset="0"/>
+                <a:ea typeface="+mn-ea"/>
+                <a:cs typeface="Arial" panose="020B0604020202020204" pitchFamily="34" charset="0"/>
+              </a:defRPr>
+            </a:lvl3pPr>
+            <a:lvl4pPr marL="749808" indent="-182880" algn="l" defTabSz="914400" rtl="0" eaLnBrk="1" latinLnBrk="0" hangingPunct="1">
+              <a:lnSpc>
+                <a:spcPct val="90000"/>
+              </a:lnSpc>
+              <a:spcBef>
+                <a:spcPts val="200"/>
+              </a:spcBef>
+              <a:spcAft>
+                <a:spcPts val="400"/>
+              </a:spcAft>
+              <a:buClr>
+                <a:schemeClr val="accent1"/>
+              </a:buClr>
+              <a:buFont typeface="Calibri" pitchFamily="34" charset="0"/>
+              <a:buChar char="◦"/>
+              <a:defRPr sz="1400" kern="1200">
+                <a:solidFill>
+                  <a:schemeClr val="tx1">
+                    <a:lumMod val="75000"/>
+                    <a:lumOff val="25000"/>
+                  </a:schemeClr>
+                </a:solidFill>
+                <a:latin typeface="Arial" panose="020B0604020202020204" pitchFamily="34" charset="0"/>
+                <a:ea typeface="+mn-ea"/>
+                <a:cs typeface="Arial" panose="020B0604020202020204" pitchFamily="34" charset="0"/>
+              </a:defRPr>
+            </a:lvl4pPr>
+            <a:lvl5pPr marL="932688" indent="-182880" algn="l" defTabSz="914400" rtl="0" eaLnBrk="1" latinLnBrk="0" hangingPunct="1">
+              <a:lnSpc>
+                <a:spcPct val="90000"/>
+              </a:lnSpc>
+              <a:spcBef>
+                <a:spcPts val="200"/>
+              </a:spcBef>
+              <a:spcAft>
+                <a:spcPts val="400"/>
+              </a:spcAft>
+              <a:buClr>
+                <a:schemeClr val="accent1"/>
+              </a:buClr>
+              <a:buFont typeface="Calibri" pitchFamily="34" charset="0"/>
+              <a:buChar char="◦"/>
+              <a:defRPr sz="1400" kern="1200">
+                <a:solidFill>
+                  <a:schemeClr val="tx1">
+                    <a:lumMod val="75000"/>
+                    <a:lumOff val="25000"/>
+                  </a:schemeClr>
+                </a:solidFill>
+                <a:latin typeface="Arial" panose="020B0604020202020204" pitchFamily="34" charset="0"/>
+                <a:ea typeface="+mn-ea"/>
+                <a:cs typeface="Arial" panose="020B0604020202020204" pitchFamily="34" charset="0"/>
+              </a:defRPr>
+            </a:lvl5pPr>
+            <a:lvl6pPr marL="1100000" indent="-228600" algn="l" defTabSz="914400" rtl="0" eaLnBrk="1" latinLnBrk="0" hangingPunct="1">
+              <a:lnSpc>
+                <a:spcPct val="90000"/>
+              </a:lnSpc>
+              <a:spcBef>
+                <a:spcPts val="200"/>
+              </a:spcBef>
+              <a:spcAft>
+                <a:spcPts val="400"/>
+              </a:spcAft>
+              <a:buClr>
+                <a:schemeClr val="accent1"/>
+              </a:buClr>
+              <a:buFont typeface="Calibri" pitchFamily="34" charset="0"/>
+              <a:buChar char="◦"/>
+              <a:defRPr sz="1400" kern="1200">
+                <a:solidFill>
+                  <a:schemeClr val="tx1">
+                    <a:lumMod val="75000"/>
+                    <a:lumOff val="25000"/>
+                  </a:schemeClr>
+                </a:solidFill>
+                <a:latin typeface="+mn-lt"/>
+                <a:ea typeface="+mn-ea"/>
+                <a:cs typeface="+mn-cs"/>
+              </a:defRPr>
+            </a:lvl6pPr>
+            <a:lvl7pPr marL="1300000" indent="-228600" algn="l" defTabSz="914400" rtl="0" eaLnBrk="1" latinLnBrk="0" hangingPunct="1">
+              <a:lnSpc>
+                <a:spcPct val="90000"/>
+              </a:lnSpc>
+              <a:spcBef>
+                <a:spcPts val="200"/>
+              </a:spcBef>
+              <a:spcAft>
+                <a:spcPts val="400"/>
+              </a:spcAft>
+              <a:buClr>
+                <a:schemeClr val="accent1"/>
+              </a:buClr>
+              <a:buFont typeface="Calibri" pitchFamily="34" charset="0"/>
+              <a:buChar char="◦"/>
+              <a:defRPr sz="1400" kern="1200">
+                <a:solidFill>
+                  <a:schemeClr val="tx1">
+                    <a:lumMod val="75000"/>
+                    <a:lumOff val="25000"/>
+                  </a:schemeClr>
+                </a:solidFill>
+                <a:latin typeface="+mn-lt"/>
+                <a:ea typeface="+mn-ea"/>
+                <a:cs typeface="+mn-cs"/>
+              </a:defRPr>
+            </a:lvl7pPr>
+            <a:lvl8pPr marL="1500000" indent="-228600" algn="l" defTabSz="914400" rtl="0" eaLnBrk="1" latinLnBrk="0" hangingPunct="1">
+              <a:lnSpc>
+                <a:spcPct val="90000"/>
+              </a:lnSpc>
+              <a:spcBef>
+                <a:spcPts val="200"/>
+              </a:spcBef>
+              <a:spcAft>
+                <a:spcPts val="400"/>
+              </a:spcAft>
+              <a:buClr>
+                <a:schemeClr val="accent1"/>
+              </a:buClr>
+              <a:buFont typeface="Calibri" pitchFamily="34" charset="0"/>
+              <a:buChar char="◦"/>
+              <a:defRPr sz="1400" kern="1200">
+                <a:solidFill>
+                  <a:schemeClr val="tx1">
+                    <a:lumMod val="75000"/>
+                    <a:lumOff val="25000"/>
+                  </a:schemeClr>
+                </a:solidFill>
+                <a:latin typeface="+mn-lt"/>
+                <a:ea typeface="+mn-ea"/>
+                <a:cs typeface="+mn-cs"/>
+              </a:defRPr>
+            </a:lvl8pPr>
+            <a:lvl9pPr marL="1700000" indent="-228600" algn="l" defTabSz="914400" rtl="0" eaLnBrk="1" latinLnBrk="0" hangingPunct="1">
+              <a:lnSpc>
+                <a:spcPct val="90000"/>
+              </a:lnSpc>
+              <a:spcBef>
+                <a:spcPts val="200"/>
+              </a:spcBef>
+              <a:spcAft>
+                <a:spcPts val="400"/>
+              </a:spcAft>
+              <a:buClr>
+                <a:schemeClr val="accent1"/>
+              </a:buClr>
+              <a:buFont typeface="Calibri" pitchFamily="34" charset="0"/>
+              <a:buChar char="◦"/>
+              <a:defRPr sz="1400" kern="1200">
+                <a:solidFill>
+                  <a:schemeClr val="tx1">
+                    <a:lumMod val="75000"/>
+                    <a:lumOff val="25000"/>
+                  </a:schemeClr>
+                </a:solidFill>
+                <a:latin typeface="+mn-lt"/>
+                <a:ea typeface="+mn-ea"/>
+                <a:cs typeface="+mn-cs"/>
+              </a:defRPr>
+            </a:lvl9pPr>
+          </a:lstStyle>
+          <a:p>
+            <a:endParaRPr lang="de-DE" dirty="0">
+              <a:solidFill>
+                <a:schemeClr val="bg1">
+                  <a:lumMod val="50000"/>
+                </a:schemeClr>
+              </a:solidFill>
+            </a:endParaRPr>
+          </a:p>
+        </p:txBody>
+      </p:sp>
+    </p:spTree>
+    <p:extLst>
+      <p:ext uri="{BB962C8B-B14F-4D97-AF65-F5344CB8AC3E}">
+        <p14:creationId xmlns:p14="http://schemas.microsoft.com/office/powerpoint/2010/main" val="1502001344"/>
       </p:ext>
     </p:extLst>
   </p:cSld>
@@ -7723,9 +8043,9 @@
           <a:bodyPr/>
           <a:lstStyle/>
           <a:p>
-            <a:fld id="{7778186D-7CAD-425C-A5EB-B223AE6329F4}" type="datetime1">
+            <a:fld id="{8F31A934-3C68-432E-8D0A-FC8A2489D66E}" type="datetime1">
               <a:rPr lang="de-DE" smtClean="0"/>
-              <a:t>11.10.2021</a:t>
+              <a:t>13.10.2021</a:t>
             </a:fld>
             <a:endParaRPr lang="de-DE" dirty="0"/>
           </a:p>
@@ -7753,9 +8073,10 @@
           <a:lstStyle/>
           <a:p>
             <a:r>
-              <a:rPr lang="de-DE" dirty="0"/>
-              <a:t>Moritz Flüchter: TSN Inter-Domain Communication</a:t>
-            </a:r>
+              <a:rPr lang="de-DE"/>
+              <a:t>Moritz Flüchter: Git - An Introduction</a:t>
+            </a:r>
+            <a:endParaRPr lang="de-DE" dirty="0"/>
           </a:p>
         </p:txBody>
       </p:sp>
@@ -8217,9 +8538,9 @@
           <a:bodyPr/>
           <a:lstStyle/>
           <a:p>
-            <a:fld id="{00E6FA39-AEDB-4A55-A265-855AD6460162}" type="datetime1">
+            <a:fld id="{6C9AA1A7-6D41-4BA7-AC0F-48F1CF827650}" type="datetime1">
               <a:rPr lang="de-DE" smtClean="0"/>
-              <a:t>11.10.2021</a:t>
+              <a:t>13.10.2021</a:t>
             </a:fld>
             <a:endParaRPr lang="de-DE" dirty="0"/>
           </a:p>
@@ -8248,7 +8569,7 @@
           <a:p>
             <a:r>
               <a:rPr lang="de-DE"/>
-              <a:t>Moritz Flüchter: TSN Inter-Domain Communication</a:t>
+              <a:t>Moritz Flüchter: Git - An Introduction</a:t>
             </a:r>
           </a:p>
         </p:txBody>
@@ -8443,9 +8764,9 @@
           <a:bodyPr/>
           <a:lstStyle/>
           <a:p>
-            <a:fld id="{00E6FA39-AEDB-4A55-A265-855AD6460162}" type="datetime1">
+            <a:fld id="{280ECD45-6C17-4E1F-AB74-35EEC673BB03}" type="datetime1">
               <a:rPr lang="de-DE" smtClean="0"/>
-              <a:t>11.10.2021</a:t>
+              <a:t>13.10.2021</a:t>
             </a:fld>
             <a:endParaRPr lang="de-DE" dirty="0"/>
           </a:p>
@@ -8474,7 +8795,7 @@
           <a:p>
             <a:r>
               <a:rPr lang="de-DE"/>
-              <a:t>Moritz Flüchter: TSN Inter-Domain Communication</a:t>
+              <a:t>Moritz Flüchter: Git - An Introduction</a:t>
             </a:r>
           </a:p>
         </p:txBody>
@@ -8668,9 +8989,9 @@
           <a:bodyPr/>
           <a:lstStyle/>
           <a:p>
-            <a:fld id="{00E6FA39-AEDB-4A55-A265-855AD6460162}" type="datetime1">
+            <a:fld id="{5A2145F5-5CFF-4BB5-9800-24F11B320505}" type="datetime1">
               <a:rPr lang="de-DE" smtClean="0"/>
-              <a:t>11.10.2021</a:t>
+              <a:t>13.10.2021</a:t>
             </a:fld>
             <a:endParaRPr lang="de-DE" dirty="0"/>
           </a:p>
@@ -8699,7 +9020,7 @@
           <a:p>
             <a:r>
               <a:rPr lang="de-DE"/>
-              <a:t>Moritz Flüchter: TSN Inter-Domain Communication</a:t>
+              <a:t>Moritz Flüchter: Git - An Introduction</a:t>
             </a:r>
           </a:p>
         </p:txBody>
@@ -8893,9 +9214,9 @@
           <a:bodyPr/>
           <a:lstStyle/>
           <a:p>
-            <a:fld id="{00E6FA39-AEDB-4A55-A265-855AD6460162}" type="datetime1">
+            <a:fld id="{B4EB2839-0439-4FD5-8F96-5F75EDEFCFA4}" type="datetime1">
               <a:rPr lang="de-DE" smtClean="0"/>
-              <a:t>11.10.2021</a:t>
+              <a:t>13.10.2021</a:t>
             </a:fld>
             <a:endParaRPr lang="de-DE" dirty="0"/>
           </a:p>
@@ -8924,7 +9245,7 @@
           <a:p>
             <a:r>
               <a:rPr lang="de-DE"/>
-              <a:t>Moritz Flüchter: TSN Inter-Domain Communication</a:t>
+              <a:t>Moritz Flüchter: Git - An Introduction</a:t>
             </a:r>
           </a:p>
         </p:txBody>
@@ -9118,9 +9439,9 @@
           <a:bodyPr/>
           <a:lstStyle/>
           <a:p>
-            <a:fld id="{00E6FA39-AEDB-4A55-A265-855AD6460162}" type="datetime1">
+            <a:fld id="{6C0DF5C6-9C7A-4245-9F13-33B4EE7433B0}" type="datetime1">
               <a:rPr lang="de-DE" smtClean="0"/>
-              <a:t>11.10.2021</a:t>
+              <a:t>13.10.2021</a:t>
             </a:fld>
             <a:endParaRPr lang="de-DE" dirty="0"/>
           </a:p>
@@ -9149,7 +9470,7 @@
           <a:p>
             <a:r>
               <a:rPr lang="de-DE"/>
-              <a:t>Moritz Flüchter: TSN Inter-Domain Communication</a:t>
+              <a:t>Moritz Flüchter: Git - An Introduction</a:t>
             </a:r>
           </a:p>
         </p:txBody>
@@ -9248,7 +9569,7 @@
                   <a:srgbClr val="FF0000"/>
                 </a:solidFill>
               </a:rPr>
-              <a:t>the</a:t>
+              <a:t>their</a:t>
             </a:r>
             <a:r>
               <a:rPr lang="de-DE" sz="2400" b="1" dirty="0">
@@ -9360,7 +9681,7 @@
             </a:r>
             <a:r>
               <a:rPr lang="de-DE" dirty="0"/>
-              <a:t>!</a:t>
+              <a:t> + GitHub!</a:t>
             </a:r>
           </a:p>
         </p:txBody>
@@ -9415,9 +9736,9 @@
           <a:bodyPr/>
           <a:lstStyle/>
           <a:p>
-            <a:fld id="{00E6FA39-AEDB-4A55-A265-855AD6460162}" type="datetime1">
+            <a:fld id="{B760EC79-AB44-40C8-A9AC-51E366F1EF4D}" type="datetime1">
               <a:rPr lang="de-DE" smtClean="0"/>
-              <a:t>11.10.2021</a:t>
+              <a:t>13.10.2021</a:t>
             </a:fld>
             <a:endParaRPr lang="de-DE" dirty="0"/>
           </a:p>
@@ -9446,7 +9767,7 @@
           <a:p>
             <a:r>
               <a:rPr lang="de-DE"/>
-              <a:t>Moritz Flüchter: TSN Inter-Domain Communication</a:t>
+              <a:t>Moritz Flüchter: Git - An Introduction</a:t>
             </a:r>
           </a:p>
         </p:txBody>
@@ -9580,7 +9901,7 @@
             </a:r>
             <a:r>
               <a:rPr lang="de-DE" dirty="0"/>
-              <a:t>!</a:t>
+              <a:t> + GitHub!</a:t>
             </a:r>
           </a:p>
         </p:txBody>
@@ -9635,9 +9956,9 @@
           <a:bodyPr/>
           <a:lstStyle/>
           <a:p>
-            <a:fld id="{00E6FA39-AEDB-4A55-A265-855AD6460162}" type="datetime1">
+            <a:fld id="{ECC1E823-DFD5-4BC6-96C8-56854DA19045}" type="datetime1">
               <a:rPr lang="de-DE" smtClean="0"/>
-              <a:t>11.10.2021</a:t>
+              <a:t>13.10.2021</a:t>
             </a:fld>
             <a:endParaRPr lang="de-DE" dirty="0"/>
           </a:p>
@@ -9666,7 +9987,7 @@
           <a:p>
             <a:r>
               <a:rPr lang="de-DE"/>
-              <a:t>Moritz Flüchter: TSN Inter-Domain Communication</a:t>
+              <a:t>Moritz Flüchter: Git - An Introduction</a:t>
             </a:r>
           </a:p>
         </p:txBody>
